--- a/LaTeX/state_machines/research_building.pptx
+++ b/LaTeX/state_machines/research_building.pptx
@@ -4623,9 +4623,6 @@
               </a:rPr>
               <a:t>Available</a:t>
             </a:r>
-            <a:endParaRPr lang="en-IE" sz="1050" dirty="0" smtClean="0">
-              <a:latin typeface="Century Schoolbook" panose="02040604050505020304" pitchFamily="18" charset="0"/>
-            </a:endParaRPr>
           </a:p>
           <a:p>
             <a:pPr algn="ctr"/>
@@ -4633,13 +4630,7 @@
               <a:rPr lang="en-IE" sz="1050" dirty="0" smtClean="0">
                 <a:latin typeface="Century Schoolbook" panose="02040604050505020304" pitchFamily="18" charset="0"/>
               </a:rPr>
-              <a:t>Research </a:t>
-            </a:r>
-            <a:r>
-              <a:rPr lang="en-IE" sz="1050" dirty="0" smtClean="0">
-                <a:latin typeface="Century Schoolbook" panose="02040604050505020304" pitchFamily="18" charset="0"/>
-              </a:rPr>
-              <a:t>1</a:t>
+              <a:t>Research 1</a:t>
             </a:r>
             <a:endParaRPr lang="en-IE" sz="1050" dirty="0">
               <a:latin typeface="Century Schoolbook" panose="02040604050505020304" pitchFamily="18" charset="0"/>
@@ -5271,14 +5262,17 @@
           <a:p>
             <a:pPr algn="ctr"/>
             <a:r>
-              <a:rPr lang="en-IE" sz="1050" dirty="0">
+              <a:rPr lang="en-IE" sz="1050">
                 <a:latin typeface="Century Schoolbook" panose="02040604050505020304" pitchFamily="18" charset="0"/>
               </a:rPr>
-              <a:t>Research 1</a:t>
-            </a:r>
-            <a:endParaRPr lang="en-IE" sz="1050" dirty="0">
-              <a:latin typeface="Century Schoolbook" panose="02040604050505020304" pitchFamily="18" charset="0"/>
-            </a:endParaRPr>
+              <a:t>Research </a:t>
+            </a:r>
+            <a:r>
+              <a:rPr lang="en-IE" sz="1050" smtClean="0">
+                <a:latin typeface="Century Schoolbook" panose="02040604050505020304" pitchFamily="18" charset="0"/>
+              </a:rPr>
+              <a:t>2</a:t>
+            </a:r>
           </a:p>
         </p:txBody>
       </p:sp>

--- a/LaTeX/state_machines/research_building.pptx
+++ b/LaTeX/state_machines/research_building.pptx
@@ -288,7 +288,7 @@
           <a:p>
             <a:fld id="{EDD84876-F47E-4495-9585-5555CA507E73}" type="datetimeFigureOut">
               <a:rPr lang="en-IE" smtClean="0"/>
-              <a:t>16/01/2015</a:t>
+              <a:t>20/01/2015</a:t>
             </a:fld>
             <a:endParaRPr lang="en-IE"/>
           </a:p>
@@ -458,7 +458,7 @@
           <a:p>
             <a:fld id="{EDD84876-F47E-4495-9585-5555CA507E73}" type="datetimeFigureOut">
               <a:rPr lang="en-IE" smtClean="0"/>
-              <a:t>16/01/2015</a:t>
+              <a:t>20/01/2015</a:t>
             </a:fld>
             <a:endParaRPr lang="en-IE"/>
           </a:p>
@@ -638,7 +638,7 @@
           <a:p>
             <a:fld id="{EDD84876-F47E-4495-9585-5555CA507E73}" type="datetimeFigureOut">
               <a:rPr lang="en-IE" smtClean="0"/>
-              <a:t>16/01/2015</a:t>
+              <a:t>20/01/2015</a:t>
             </a:fld>
             <a:endParaRPr lang="en-IE"/>
           </a:p>
@@ -808,7 +808,7 @@
           <a:p>
             <a:fld id="{EDD84876-F47E-4495-9585-5555CA507E73}" type="datetimeFigureOut">
               <a:rPr lang="en-IE" smtClean="0"/>
-              <a:t>16/01/2015</a:t>
+              <a:t>20/01/2015</a:t>
             </a:fld>
             <a:endParaRPr lang="en-IE"/>
           </a:p>
@@ -1054,7 +1054,7 @@
           <a:p>
             <a:fld id="{EDD84876-F47E-4495-9585-5555CA507E73}" type="datetimeFigureOut">
               <a:rPr lang="en-IE" smtClean="0"/>
-              <a:t>16/01/2015</a:t>
+              <a:t>20/01/2015</a:t>
             </a:fld>
             <a:endParaRPr lang="en-IE"/>
           </a:p>
@@ -1342,7 +1342,7 @@
           <a:p>
             <a:fld id="{EDD84876-F47E-4495-9585-5555CA507E73}" type="datetimeFigureOut">
               <a:rPr lang="en-IE" smtClean="0"/>
-              <a:t>16/01/2015</a:t>
+              <a:t>20/01/2015</a:t>
             </a:fld>
             <a:endParaRPr lang="en-IE"/>
           </a:p>
@@ -1764,7 +1764,7 @@
           <a:p>
             <a:fld id="{EDD84876-F47E-4495-9585-5555CA507E73}" type="datetimeFigureOut">
               <a:rPr lang="en-IE" smtClean="0"/>
-              <a:t>16/01/2015</a:t>
+              <a:t>20/01/2015</a:t>
             </a:fld>
             <a:endParaRPr lang="en-IE"/>
           </a:p>
@@ -1882,7 +1882,7 @@
           <a:p>
             <a:fld id="{EDD84876-F47E-4495-9585-5555CA507E73}" type="datetimeFigureOut">
               <a:rPr lang="en-IE" smtClean="0"/>
-              <a:t>16/01/2015</a:t>
+              <a:t>20/01/2015</a:t>
             </a:fld>
             <a:endParaRPr lang="en-IE"/>
           </a:p>
@@ -1977,7 +1977,7 @@
           <a:p>
             <a:fld id="{EDD84876-F47E-4495-9585-5555CA507E73}" type="datetimeFigureOut">
               <a:rPr lang="en-IE" smtClean="0"/>
-              <a:t>16/01/2015</a:t>
+              <a:t>20/01/2015</a:t>
             </a:fld>
             <a:endParaRPr lang="en-IE"/>
           </a:p>
@@ -2254,7 +2254,7 @@
           <a:p>
             <a:fld id="{EDD84876-F47E-4495-9585-5555CA507E73}" type="datetimeFigureOut">
               <a:rPr lang="en-IE" smtClean="0"/>
-              <a:t>16/01/2015</a:t>
+              <a:t>20/01/2015</a:t>
             </a:fld>
             <a:endParaRPr lang="en-IE"/>
           </a:p>
@@ -2507,7 +2507,7 @@
           <a:p>
             <a:fld id="{EDD84876-F47E-4495-9585-5555CA507E73}" type="datetimeFigureOut">
               <a:rPr lang="en-IE" smtClean="0"/>
-              <a:t>16/01/2015</a:t>
+              <a:t>20/01/2015</a:t>
             </a:fld>
             <a:endParaRPr lang="en-IE"/>
           </a:p>
@@ -2720,7 +2720,7 @@
           <a:p>
             <a:fld id="{EDD84876-F47E-4495-9585-5555CA507E73}" type="datetimeFigureOut">
               <a:rPr lang="en-IE" smtClean="0"/>
-              <a:t>16/01/2015</a:t>
+              <a:t>20/01/2015</a:t>
             </a:fld>
             <a:endParaRPr lang="en-IE"/>
           </a:p>
@@ -3097,1513 +3097,14 @@
       </p:grpSpPr>
       <p:sp>
         <p:nvSpPr>
-          <p:cNvPr id="40" name="Freeform 39"/>
-          <p:cNvSpPr/>
-          <p:nvPr/>
-        </p:nvSpPr>
-        <p:spPr>
-          <a:xfrm flipH="1" flipV="1">
-            <a:off x="5731569" y="1579513"/>
-            <a:ext cx="1088774" cy="3135081"/>
-          </a:xfrm>
-          <a:custGeom>
-            <a:avLst/>
-            <a:gdLst>
-              <a:gd name="connsiteX0" fmla="*/ 334971 w 422894"/>
-              <a:gd name="connsiteY0" fmla="*/ 0 h 931985"/>
-              <a:gd name="connsiteX1" fmla="*/ 863 w 422894"/>
-              <a:gd name="connsiteY1" fmla="*/ 492369 h 931985"/>
-              <a:gd name="connsiteX2" fmla="*/ 422894 w 422894"/>
-              <a:gd name="connsiteY2" fmla="*/ 931985 h 931985"/>
-              <a:gd name="connsiteX0" fmla="*/ 299999 w 387922"/>
-              <a:gd name="connsiteY0" fmla="*/ 0 h 931985"/>
-              <a:gd name="connsiteX1" fmla="*/ 1060 w 387922"/>
-              <a:gd name="connsiteY1" fmla="*/ 422030 h 931985"/>
-              <a:gd name="connsiteX2" fmla="*/ 387922 w 387922"/>
-              <a:gd name="connsiteY2" fmla="*/ 931985 h 931985"/>
-              <a:gd name="connsiteX0" fmla="*/ 265139 w 353062"/>
-              <a:gd name="connsiteY0" fmla="*/ 0 h 931985"/>
-              <a:gd name="connsiteX1" fmla="*/ 1369 w 353062"/>
-              <a:gd name="connsiteY1" fmla="*/ 474784 h 931985"/>
-              <a:gd name="connsiteX2" fmla="*/ 353062 w 353062"/>
-              <a:gd name="connsiteY2" fmla="*/ 931985 h 931985"/>
-              <a:gd name="connsiteX0" fmla="*/ 256717 w 353433"/>
-              <a:gd name="connsiteY0" fmla="*/ 0 h 914401"/>
-              <a:gd name="connsiteX1" fmla="*/ 1740 w 353433"/>
-              <a:gd name="connsiteY1" fmla="*/ 457200 h 914401"/>
-              <a:gd name="connsiteX2" fmla="*/ 353433 w 353433"/>
-              <a:gd name="connsiteY2" fmla="*/ 914401 h 914401"/>
-              <a:gd name="connsiteX0" fmla="*/ 299349 w 352104"/>
-              <a:gd name="connsiteY0" fmla="*/ 0 h 940778"/>
-              <a:gd name="connsiteX1" fmla="*/ 411 w 352104"/>
-              <a:gd name="connsiteY1" fmla="*/ 483577 h 940778"/>
-              <a:gd name="connsiteX2" fmla="*/ 352104 w 352104"/>
-              <a:gd name="connsiteY2" fmla="*/ 940778 h 940778"/>
-              <a:gd name="connsiteX0" fmla="*/ 238108 w 290863"/>
-              <a:gd name="connsiteY0" fmla="*/ 0 h 940778"/>
-              <a:gd name="connsiteX1" fmla="*/ 716 w 290863"/>
-              <a:gd name="connsiteY1" fmla="*/ 474784 h 940778"/>
-              <a:gd name="connsiteX2" fmla="*/ 290863 w 290863"/>
-              <a:gd name="connsiteY2" fmla="*/ 940778 h 940778"/>
-              <a:gd name="connsiteX0" fmla="*/ 237908 w 281871"/>
-              <a:gd name="connsiteY0" fmla="*/ 0 h 1019909"/>
-              <a:gd name="connsiteX1" fmla="*/ 516 w 281871"/>
-              <a:gd name="connsiteY1" fmla="*/ 474784 h 1019909"/>
-              <a:gd name="connsiteX2" fmla="*/ 281871 w 281871"/>
-              <a:gd name="connsiteY2" fmla="*/ 1019909 h 1019909"/>
-              <a:gd name="connsiteX0" fmla="*/ 237908 w 281871"/>
-              <a:gd name="connsiteY0" fmla="*/ 0 h 1019909"/>
-              <a:gd name="connsiteX1" fmla="*/ 516 w 281871"/>
-              <a:gd name="connsiteY1" fmla="*/ 597877 h 1019909"/>
-              <a:gd name="connsiteX2" fmla="*/ 281871 w 281871"/>
-              <a:gd name="connsiteY2" fmla="*/ 1019909 h 1019909"/>
-              <a:gd name="connsiteX0" fmla="*/ 220464 w 264427"/>
-              <a:gd name="connsiteY0" fmla="*/ 0 h 1019909"/>
-              <a:gd name="connsiteX1" fmla="*/ 657 w 264427"/>
-              <a:gd name="connsiteY1" fmla="*/ 545123 h 1019909"/>
-              <a:gd name="connsiteX2" fmla="*/ 264427 w 264427"/>
-              <a:gd name="connsiteY2" fmla="*/ 1019909 h 1019909"/>
-              <a:gd name="connsiteX0" fmla="*/ 320264 w 320264"/>
-              <a:gd name="connsiteY0" fmla="*/ 0 h 930898"/>
-              <a:gd name="connsiteX1" fmla="*/ 314 w 320264"/>
-              <a:gd name="connsiteY1" fmla="*/ 456112 h 930898"/>
-              <a:gd name="connsiteX2" fmla="*/ 264084 w 320264"/>
-              <a:gd name="connsiteY2" fmla="*/ 930898 h 930898"/>
-              <a:gd name="connsiteX0" fmla="*/ 320569 w 320569"/>
-              <a:gd name="connsiteY0" fmla="*/ 0 h 987271"/>
-              <a:gd name="connsiteX1" fmla="*/ 619 w 320569"/>
-              <a:gd name="connsiteY1" fmla="*/ 456112 h 987271"/>
-              <a:gd name="connsiteX2" fmla="*/ 244360 w 320569"/>
-              <a:gd name="connsiteY2" fmla="*/ 987271 h 987271"/>
-              <a:gd name="connsiteX0" fmla="*/ 263247 w 263247"/>
-              <a:gd name="connsiteY0" fmla="*/ 0 h 1138590"/>
-              <a:gd name="connsiteX1" fmla="*/ 45 w 263247"/>
-              <a:gd name="connsiteY1" fmla="*/ 607431 h 1138590"/>
-              <a:gd name="connsiteX2" fmla="*/ 243786 w 263247"/>
-              <a:gd name="connsiteY2" fmla="*/ 1138590 h 1138590"/>
-              <a:gd name="connsiteX0" fmla="*/ 263247 w 263247"/>
-              <a:gd name="connsiteY0" fmla="*/ 0 h 1138590"/>
-              <a:gd name="connsiteX1" fmla="*/ 45 w 263247"/>
-              <a:gd name="connsiteY1" fmla="*/ 607431 h 1138590"/>
-              <a:gd name="connsiteX2" fmla="*/ 243786 w 263247"/>
-              <a:gd name="connsiteY2" fmla="*/ 1138590 h 1138590"/>
-              <a:gd name="connsiteX0" fmla="*/ 263264 w 263264"/>
-              <a:gd name="connsiteY0" fmla="*/ 0 h 1138590"/>
-              <a:gd name="connsiteX1" fmla="*/ 62 w 263264"/>
-              <a:gd name="connsiteY1" fmla="*/ 607431 h 1138590"/>
-              <a:gd name="connsiteX2" fmla="*/ 243803 w 263264"/>
-              <a:gd name="connsiteY2" fmla="*/ 1138590 h 1138590"/>
-              <a:gd name="connsiteX0" fmla="*/ 263208 w 263208"/>
-              <a:gd name="connsiteY0" fmla="*/ 0 h 1153425"/>
-              <a:gd name="connsiteX1" fmla="*/ 6 w 263208"/>
-              <a:gd name="connsiteY1" fmla="*/ 607431 h 1153425"/>
-              <a:gd name="connsiteX2" fmla="*/ 257099 w 263208"/>
-              <a:gd name="connsiteY2" fmla="*/ 1153425 h 1153425"/>
-              <a:gd name="connsiteX0" fmla="*/ 263469 w 294079"/>
-              <a:gd name="connsiteY0" fmla="*/ 0 h 1135408"/>
-              <a:gd name="connsiteX1" fmla="*/ 267 w 294079"/>
-              <a:gd name="connsiteY1" fmla="*/ 607431 h 1135408"/>
-              <a:gd name="connsiteX2" fmla="*/ 294079 w 294079"/>
-              <a:gd name="connsiteY2" fmla="*/ 1135408 h 1135408"/>
-              <a:gd name="connsiteX0" fmla="*/ 263469 w 294079"/>
-              <a:gd name="connsiteY0" fmla="*/ 0 h 1143198"/>
-              <a:gd name="connsiteX1" fmla="*/ 267 w 294079"/>
-              <a:gd name="connsiteY1" fmla="*/ 607431 h 1143198"/>
-              <a:gd name="connsiteX2" fmla="*/ 294079 w 294079"/>
-              <a:gd name="connsiteY2" fmla="*/ 1135408 h 1143198"/>
-              <a:gd name="connsiteX0" fmla="*/ 301748 w 332358"/>
-              <a:gd name="connsiteY0" fmla="*/ 0 h 1142432"/>
-              <a:gd name="connsiteX1" fmla="*/ 31994 w 332358"/>
-              <a:gd name="connsiteY1" fmla="*/ 311126 h 1142432"/>
-              <a:gd name="connsiteX2" fmla="*/ 38546 w 332358"/>
-              <a:gd name="connsiteY2" fmla="*/ 607431 h 1142432"/>
-              <a:gd name="connsiteX3" fmla="*/ 332358 w 332358"/>
-              <a:gd name="connsiteY3" fmla="*/ 1135408 h 1142432"/>
-              <a:gd name="connsiteX0" fmla="*/ 308764 w 339374"/>
-              <a:gd name="connsiteY0" fmla="*/ 0 h 1154711"/>
-              <a:gd name="connsiteX1" fmla="*/ 39010 w 339374"/>
-              <a:gd name="connsiteY1" fmla="*/ 311126 h 1154711"/>
-              <a:gd name="connsiteX2" fmla="*/ 32209 w 339374"/>
-              <a:gd name="connsiteY2" fmla="*/ 938950 h 1154711"/>
-              <a:gd name="connsiteX3" fmla="*/ 339374 w 339374"/>
-              <a:gd name="connsiteY3" fmla="*/ 1135408 h 1154711"/>
-              <a:gd name="connsiteX0" fmla="*/ 298429 w 329039"/>
-              <a:gd name="connsiteY0" fmla="*/ 0 h 1154711"/>
-              <a:gd name="connsiteX1" fmla="*/ 28675 w 329039"/>
-              <a:gd name="connsiteY1" fmla="*/ 311126 h 1154711"/>
-              <a:gd name="connsiteX2" fmla="*/ 21874 w 329039"/>
-              <a:gd name="connsiteY2" fmla="*/ 938950 h 1154711"/>
-              <a:gd name="connsiteX3" fmla="*/ 329039 w 329039"/>
-              <a:gd name="connsiteY3" fmla="*/ 1135408 h 1154711"/>
-              <a:gd name="connsiteX0" fmla="*/ 293429 w 324039"/>
-              <a:gd name="connsiteY0" fmla="*/ 0 h 1154711"/>
-              <a:gd name="connsiteX1" fmla="*/ 23675 w 324039"/>
-              <a:gd name="connsiteY1" fmla="*/ 311126 h 1154711"/>
-              <a:gd name="connsiteX2" fmla="*/ 16874 w 324039"/>
-              <a:gd name="connsiteY2" fmla="*/ 938950 h 1154711"/>
-              <a:gd name="connsiteX3" fmla="*/ 324039 w 324039"/>
-              <a:gd name="connsiteY3" fmla="*/ 1135408 h 1154711"/>
-              <a:gd name="connsiteX0" fmla="*/ 293429 w 324039"/>
-              <a:gd name="connsiteY0" fmla="*/ 0 h 1154711"/>
-              <a:gd name="connsiteX1" fmla="*/ 23675 w 324039"/>
-              <a:gd name="connsiteY1" fmla="*/ 311126 h 1154711"/>
-              <a:gd name="connsiteX2" fmla="*/ 16874 w 324039"/>
-              <a:gd name="connsiteY2" fmla="*/ 938950 h 1154711"/>
-              <a:gd name="connsiteX3" fmla="*/ 324039 w 324039"/>
-              <a:gd name="connsiteY3" fmla="*/ 1135408 h 1154711"/>
-              <a:gd name="connsiteX0" fmla="*/ 3068 w 487662"/>
-              <a:gd name="connsiteY0" fmla="*/ 0 h 1522264"/>
-              <a:gd name="connsiteX1" fmla="*/ 187298 w 487662"/>
-              <a:gd name="connsiteY1" fmla="*/ 678679 h 1522264"/>
-              <a:gd name="connsiteX2" fmla="*/ 180497 w 487662"/>
-              <a:gd name="connsiteY2" fmla="*/ 1306503 h 1522264"/>
-              <a:gd name="connsiteX3" fmla="*/ 487662 w 487662"/>
-              <a:gd name="connsiteY3" fmla="*/ 1502961 h 1522264"/>
-              <a:gd name="connsiteX0" fmla="*/ 4504 w 489098"/>
-              <a:gd name="connsiteY0" fmla="*/ 0 h 1522264"/>
-              <a:gd name="connsiteX1" fmla="*/ 188734 w 489098"/>
-              <a:gd name="connsiteY1" fmla="*/ 678679 h 1522264"/>
-              <a:gd name="connsiteX2" fmla="*/ 181933 w 489098"/>
-              <a:gd name="connsiteY2" fmla="*/ 1306503 h 1522264"/>
-              <a:gd name="connsiteX3" fmla="*/ 489098 w 489098"/>
-              <a:gd name="connsiteY3" fmla="*/ 1502961 h 1522264"/>
-              <a:gd name="connsiteX0" fmla="*/ 4504 w 489098"/>
-              <a:gd name="connsiteY0" fmla="*/ 0 h 1522264"/>
-              <a:gd name="connsiteX1" fmla="*/ 188734 w 489098"/>
-              <a:gd name="connsiteY1" fmla="*/ 678679 h 1522264"/>
-              <a:gd name="connsiteX2" fmla="*/ 181933 w 489098"/>
-              <a:gd name="connsiteY2" fmla="*/ 1306503 h 1522264"/>
-              <a:gd name="connsiteX3" fmla="*/ 489098 w 489098"/>
-              <a:gd name="connsiteY3" fmla="*/ 1502961 h 1522264"/>
-              <a:gd name="connsiteX0" fmla="*/ 4504 w 489098"/>
-              <a:gd name="connsiteY0" fmla="*/ 0 h 1522264"/>
-              <a:gd name="connsiteX1" fmla="*/ 188734 w 489098"/>
-              <a:gd name="connsiteY1" fmla="*/ 678679 h 1522264"/>
-              <a:gd name="connsiteX2" fmla="*/ 158848 w 489098"/>
-              <a:gd name="connsiteY2" fmla="*/ 688943 h 1522264"/>
-              <a:gd name="connsiteX3" fmla="*/ 181933 w 489098"/>
-              <a:gd name="connsiteY3" fmla="*/ 1306503 h 1522264"/>
-              <a:gd name="connsiteX4" fmla="*/ 489098 w 489098"/>
-              <a:gd name="connsiteY4" fmla="*/ 1502961 h 1522264"/>
-              <a:gd name="connsiteX0" fmla="*/ 9354 w 493948"/>
-              <a:gd name="connsiteY0" fmla="*/ 0 h 1522264"/>
-              <a:gd name="connsiteX1" fmla="*/ 76750 w 493948"/>
-              <a:gd name="connsiteY1" fmla="*/ 462471 h 1522264"/>
-              <a:gd name="connsiteX2" fmla="*/ 163698 w 493948"/>
-              <a:gd name="connsiteY2" fmla="*/ 688943 h 1522264"/>
-              <a:gd name="connsiteX3" fmla="*/ 186783 w 493948"/>
-              <a:gd name="connsiteY3" fmla="*/ 1306503 h 1522264"/>
-              <a:gd name="connsiteX4" fmla="*/ 493948 w 493948"/>
-              <a:gd name="connsiteY4" fmla="*/ 1502961 h 1522264"/>
-              <a:gd name="connsiteX0" fmla="*/ 0 w 484594"/>
-              <a:gd name="connsiteY0" fmla="*/ 0 h 1522264"/>
-              <a:gd name="connsiteX1" fmla="*/ 154344 w 484594"/>
-              <a:gd name="connsiteY1" fmla="*/ 688943 h 1522264"/>
-              <a:gd name="connsiteX2" fmla="*/ 177429 w 484594"/>
-              <a:gd name="connsiteY2" fmla="*/ 1306503 h 1522264"/>
-              <a:gd name="connsiteX3" fmla="*/ 484594 w 484594"/>
-              <a:gd name="connsiteY3" fmla="*/ 1502961 h 1522264"/>
-              <a:gd name="connsiteX0" fmla="*/ 0 w 444536"/>
-              <a:gd name="connsiteY0" fmla="*/ 0 h 1698834"/>
-              <a:gd name="connsiteX1" fmla="*/ 114286 w 444536"/>
-              <a:gd name="connsiteY1" fmla="*/ 865513 h 1698834"/>
-              <a:gd name="connsiteX2" fmla="*/ 137371 w 444536"/>
-              <a:gd name="connsiteY2" fmla="*/ 1483073 h 1698834"/>
-              <a:gd name="connsiteX3" fmla="*/ 444536 w 444536"/>
-              <a:gd name="connsiteY3" fmla="*/ 1679531 h 1698834"/>
-              <a:gd name="connsiteX0" fmla="*/ 1452 w 445988"/>
-              <a:gd name="connsiteY0" fmla="*/ 0 h 1698834"/>
-              <a:gd name="connsiteX1" fmla="*/ 115738 w 445988"/>
-              <a:gd name="connsiteY1" fmla="*/ 865513 h 1698834"/>
-              <a:gd name="connsiteX2" fmla="*/ 138823 w 445988"/>
-              <a:gd name="connsiteY2" fmla="*/ 1483073 h 1698834"/>
-              <a:gd name="connsiteX3" fmla="*/ 445988 w 445988"/>
-              <a:gd name="connsiteY3" fmla="*/ 1679531 h 1698834"/>
-              <a:gd name="connsiteX0" fmla="*/ 0 w 444536"/>
-              <a:gd name="connsiteY0" fmla="*/ 0 h 1698834"/>
-              <a:gd name="connsiteX1" fmla="*/ 137371 w 444536"/>
-              <a:gd name="connsiteY1" fmla="*/ 1483073 h 1698834"/>
-              <a:gd name="connsiteX2" fmla="*/ 444536 w 444536"/>
-              <a:gd name="connsiteY2" fmla="*/ 1679531 h 1698834"/>
-              <a:gd name="connsiteX0" fmla="*/ 0 w 444536"/>
-              <a:gd name="connsiteY0" fmla="*/ 0 h 1698834"/>
-              <a:gd name="connsiteX1" fmla="*/ 137371 w 444536"/>
-              <a:gd name="connsiteY1" fmla="*/ 1483073 h 1698834"/>
-              <a:gd name="connsiteX2" fmla="*/ 444536 w 444536"/>
-              <a:gd name="connsiteY2" fmla="*/ 1679531 h 1698834"/>
-              <a:gd name="connsiteX0" fmla="*/ 293221 w 317153"/>
-              <a:gd name="connsiteY0" fmla="*/ 0 h 1219573"/>
-              <a:gd name="connsiteX1" fmla="*/ 9988 w 317153"/>
-              <a:gd name="connsiteY1" fmla="*/ 1003812 h 1219573"/>
-              <a:gd name="connsiteX2" fmla="*/ 317153 w 317153"/>
-              <a:gd name="connsiteY2" fmla="*/ 1200270 h 1219573"/>
-              <a:gd name="connsiteX0" fmla="*/ 389436 w 413368"/>
-              <a:gd name="connsiteY0" fmla="*/ 59743 h 1279316"/>
-              <a:gd name="connsiteX1" fmla="*/ 106203 w 413368"/>
-              <a:gd name="connsiteY1" fmla="*/ 1063555 h 1279316"/>
-              <a:gd name="connsiteX2" fmla="*/ 413368 w 413368"/>
-              <a:gd name="connsiteY2" fmla="*/ 1260013 h 1279316"/>
-              <a:gd name="connsiteX0" fmla="*/ 389436 w 413368"/>
-              <a:gd name="connsiteY0" fmla="*/ 59743 h 1279984"/>
-              <a:gd name="connsiteX1" fmla="*/ 106203 w 413368"/>
-              <a:gd name="connsiteY1" fmla="*/ 1063555 h 1279984"/>
-              <a:gd name="connsiteX2" fmla="*/ 413368 w 413368"/>
-              <a:gd name="connsiteY2" fmla="*/ 1260013 h 1279984"/>
-              <a:gd name="connsiteX0" fmla="*/ 389436 w 413368"/>
-              <a:gd name="connsiteY0" fmla="*/ 59743 h 1284890"/>
-              <a:gd name="connsiteX1" fmla="*/ 106203 w 413368"/>
-              <a:gd name="connsiteY1" fmla="*/ 1063555 h 1284890"/>
-              <a:gd name="connsiteX2" fmla="*/ 413368 w 413368"/>
-              <a:gd name="connsiteY2" fmla="*/ 1260013 h 1284890"/>
-            </a:gdLst>
-            <a:ahLst/>
-            <a:cxnLst>
-              <a:cxn ang="0">
-                <a:pos x="connsiteX0" y="connsiteY0"/>
-              </a:cxn>
-              <a:cxn ang="0">
-                <a:pos x="connsiteX1" y="connsiteY1"/>
-              </a:cxn>
-              <a:cxn ang="0">
-                <a:pos x="connsiteX2" y="connsiteY2"/>
-              </a:cxn>
-            </a:cxnLst>
-            <a:rect l="l" t="t" r="r" b="b"/>
-            <a:pathLst>
-              <a:path w="413368" h="1284890">
-                <a:moveTo>
-                  <a:pt x="389436" y="59743"/>
-                </a:moveTo>
-                <a:cubicBezTo>
-                  <a:pt x="-196160" y="-258286"/>
-                  <a:pt x="32114" y="783633"/>
-                  <a:pt x="106203" y="1063555"/>
-                </a:cubicBezTo>
-                <a:cubicBezTo>
-                  <a:pt x="162940" y="1251384"/>
-                  <a:pt x="292958" y="1329081"/>
-                  <a:pt x="413368" y="1260013"/>
-                </a:cubicBezTo>
-              </a:path>
-            </a:pathLst>
-          </a:custGeom>
-          <a:ln w="28575">
-            <a:tailEnd type="none" w="lg" len="lg"/>
-          </a:ln>
-        </p:spPr>
-        <p:style>
-          <a:lnRef idx="1">
-            <a:schemeClr val="dk1"/>
-          </a:lnRef>
-          <a:fillRef idx="0">
-            <a:schemeClr val="dk1"/>
-          </a:fillRef>
-          <a:effectRef idx="0">
-            <a:schemeClr val="dk1"/>
-          </a:effectRef>
-          <a:fontRef idx="minor">
-            <a:schemeClr val="tx1"/>
-          </a:fontRef>
-        </p:style>
-        <p:txBody>
-          <a:bodyPr rtlCol="0" anchor="ctr"/>
-          <a:lstStyle/>
-          <a:p>
-            <a:pPr algn="ctr"/>
-            <a:endParaRPr lang="en-IE" sz="1400">
-              <a:latin typeface="Century Schoolbook" panose="02040604050505020304" pitchFamily="18" charset="0"/>
-            </a:endParaRPr>
-          </a:p>
-        </p:txBody>
-      </p:sp>
-      <p:sp>
-        <p:nvSpPr>
-          <p:cNvPr id="41" name="Freeform 40"/>
-          <p:cNvSpPr/>
-          <p:nvPr/>
-        </p:nvSpPr>
-        <p:spPr>
-          <a:xfrm flipH="1" flipV="1">
-            <a:off x="5746817" y="2558341"/>
-            <a:ext cx="911161" cy="2007316"/>
-          </a:xfrm>
-          <a:custGeom>
-            <a:avLst/>
-            <a:gdLst>
-              <a:gd name="connsiteX0" fmla="*/ 334971 w 422894"/>
-              <a:gd name="connsiteY0" fmla="*/ 0 h 931985"/>
-              <a:gd name="connsiteX1" fmla="*/ 863 w 422894"/>
-              <a:gd name="connsiteY1" fmla="*/ 492369 h 931985"/>
-              <a:gd name="connsiteX2" fmla="*/ 422894 w 422894"/>
-              <a:gd name="connsiteY2" fmla="*/ 931985 h 931985"/>
-              <a:gd name="connsiteX0" fmla="*/ 299999 w 387922"/>
-              <a:gd name="connsiteY0" fmla="*/ 0 h 931985"/>
-              <a:gd name="connsiteX1" fmla="*/ 1060 w 387922"/>
-              <a:gd name="connsiteY1" fmla="*/ 422030 h 931985"/>
-              <a:gd name="connsiteX2" fmla="*/ 387922 w 387922"/>
-              <a:gd name="connsiteY2" fmla="*/ 931985 h 931985"/>
-              <a:gd name="connsiteX0" fmla="*/ 265139 w 353062"/>
-              <a:gd name="connsiteY0" fmla="*/ 0 h 931985"/>
-              <a:gd name="connsiteX1" fmla="*/ 1369 w 353062"/>
-              <a:gd name="connsiteY1" fmla="*/ 474784 h 931985"/>
-              <a:gd name="connsiteX2" fmla="*/ 353062 w 353062"/>
-              <a:gd name="connsiteY2" fmla="*/ 931985 h 931985"/>
-              <a:gd name="connsiteX0" fmla="*/ 256717 w 353433"/>
-              <a:gd name="connsiteY0" fmla="*/ 0 h 914401"/>
-              <a:gd name="connsiteX1" fmla="*/ 1740 w 353433"/>
-              <a:gd name="connsiteY1" fmla="*/ 457200 h 914401"/>
-              <a:gd name="connsiteX2" fmla="*/ 353433 w 353433"/>
-              <a:gd name="connsiteY2" fmla="*/ 914401 h 914401"/>
-              <a:gd name="connsiteX0" fmla="*/ 299349 w 352104"/>
-              <a:gd name="connsiteY0" fmla="*/ 0 h 940778"/>
-              <a:gd name="connsiteX1" fmla="*/ 411 w 352104"/>
-              <a:gd name="connsiteY1" fmla="*/ 483577 h 940778"/>
-              <a:gd name="connsiteX2" fmla="*/ 352104 w 352104"/>
-              <a:gd name="connsiteY2" fmla="*/ 940778 h 940778"/>
-              <a:gd name="connsiteX0" fmla="*/ 238108 w 290863"/>
-              <a:gd name="connsiteY0" fmla="*/ 0 h 940778"/>
-              <a:gd name="connsiteX1" fmla="*/ 716 w 290863"/>
-              <a:gd name="connsiteY1" fmla="*/ 474784 h 940778"/>
-              <a:gd name="connsiteX2" fmla="*/ 290863 w 290863"/>
-              <a:gd name="connsiteY2" fmla="*/ 940778 h 940778"/>
-              <a:gd name="connsiteX0" fmla="*/ 237908 w 281871"/>
-              <a:gd name="connsiteY0" fmla="*/ 0 h 1019909"/>
-              <a:gd name="connsiteX1" fmla="*/ 516 w 281871"/>
-              <a:gd name="connsiteY1" fmla="*/ 474784 h 1019909"/>
-              <a:gd name="connsiteX2" fmla="*/ 281871 w 281871"/>
-              <a:gd name="connsiteY2" fmla="*/ 1019909 h 1019909"/>
-              <a:gd name="connsiteX0" fmla="*/ 237908 w 281871"/>
-              <a:gd name="connsiteY0" fmla="*/ 0 h 1019909"/>
-              <a:gd name="connsiteX1" fmla="*/ 516 w 281871"/>
-              <a:gd name="connsiteY1" fmla="*/ 597877 h 1019909"/>
-              <a:gd name="connsiteX2" fmla="*/ 281871 w 281871"/>
-              <a:gd name="connsiteY2" fmla="*/ 1019909 h 1019909"/>
-              <a:gd name="connsiteX0" fmla="*/ 220464 w 264427"/>
-              <a:gd name="connsiteY0" fmla="*/ 0 h 1019909"/>
-              <a:gd name="connsiteX1" fmla="*/ 657 w 264427"/>
-              <a:gd name="connsiteY1" fmla="*/ 545123 h 1019909"/>
-              <a:gd name="connsiteX2" fmla="*/ 264427 w 264427"/>
-              <a:gd name="connsiteY2" fmla="*/ 1019909 h 1019909"/>
-              <a:gd name="connsiteX0" fmla="*/ 320264 w 320264"/>
-              <a:gd name="connsiteY0" fmla="*/ 0 h 930898"/>
-              <a:gd name="connsiteX1" fmla="*/ 314 w 320264"/>
-              <a:gd name="connsiteY1" fmla="*/ 456112 h 930898"/>
-              <a:gd name="connsiteX2" fmla="*/ 264084 w 320264"/>
-              <a:gd name="connsiteY2" fmla="*/ 930898 h 930898"/>
-              <a:gd name="connsiteX0" fmla="*/ 320569 w 320569"/>
-              <a:gd name="connsiteY0" fmla="*/ 0 h 987271"/>
-              <a:gd name="connsiteX1" fmla="*/ 619 w 320569"/>
-              <a:gd name="connsiteY1" fmla="*/ 456112 h 987271"/>
-              <a:gd name="connsiteX2" fmla="*/ 244360 w 320569"/>
-              <a:gd name="connsiteY2" fmla="*/ 987271 h 987271"/>
-              <a:gd name="connsiteX0" fmla="*/ 263247 w 263247"/>
-              <a:gd name="connsiteY0" fmla="*/ 0 h 1138590"/>
-              <a:gd name="connsiteX1" fmla="*/ 45 w 263247"/>
-              <a:gd name="connsiteY1" fmla="*/ 607431 h 1138590"/>
-              <a:gd name="connsiteX2" fmla="*/ 243786 w 263247"/>
-              <a:gd name="connsiteY2" fmla="*/ 1138590 h 1138590"/>
-              <a:gd name="connsiteX0" fmla="*/ 263247 w 263247"/>
-              <a:gd name="connsiteY0" fmla="*/ 0 h 1138590"/>
-              <a:gd name="connsiteX1" fmla="*/ 45 w 263247"/>
-              <a:gd name="connsiteY1" fmla="*/ 607431 h 1138590"/>
-              <a:gd name="connsiteX2" fmla="*/ 243786 w 263247"/>
-              <a:gd name="connsiteY2" fmla="*/ 1138590 h 1138590"/>
-              <a:gd name="connsiteX0" fmla="*/ 263264 w 263264"/>
-              <a:gd name="connsiteY0" fmla="*/ 0 h 1138590"/>
-              <a:gd name="connsiteX1" fmla="*/ 62 w 263264"/>
-              <a:gd name="connsiteY1" fmla="*/ 607431 h 1138590"/>
-              <a:gd name="connsiteX2" fmla="*/ 243803 w 263264"/>
-              <a:gd name="connsiteY2" fmla="*/ 1138590 h 1138590"/>
-              <a:gd name="connsiteX0" fmla="*/ 263208 w 263208"/>
-              <a:gd name="connsiteY0" fmla="*/ 0 h 1153425"/>
-              <a:gd name="connsiteX1" fmla="*/ 6 w 263208"/>
-              <a:gd name="connsiteY1" fmla="*/ 607431 h 1153425"/>
-              <a:gd name="connsiteX2" fmla="*/ 257099 w 263208"/>
-              <a:gd name="connsiteY2" fmla="*/ 1153425 h 1153425"/>
-              <a:gd name="connsiteX0" fmla="*/ 263469 w 294079"/>
-              <a:gd name="connsiteY0" fmla="*/ 0 h 1135408"/>
-              <a:gd name="connsiteX1" fmla="*/ 267 w 294079"/>
-              <a:gd name="connsiteY1" fmla="*/ 607431 h 1135408"/>
-              <a:gd name="connsiteX2" fmla="*/ 294079 w 294079"/>
-              <a:gd name="connsiteY2" fmla="*/ 1135408 h 1135408"/>
-              <a:gd name="connsiteX0" fmla="*/ 263469 w 294079"/>
-              <a:gd name="connsiteY0" fmla="*/ 0 h 1143198"/>
-              <a:gd name="connsiteX1" fmla="*/ 267 w 294079"/>
-              <a:gd name="connsiteY1" fmla="*/ 607431 h 1143198"/>
-              <a:gd name="connsiteX2" fmla="*/ 294079 w 294079"/>
-              <a:gd name="connsiteY2" fmla="*/ 1135408 h 1143198"/>
-              <a:gd name="connsiteX0" fmla="*/ 301748 w 332358"/>
-              <a:gd name="connsiteY0" fmla="*/ 0 h 1142432"/>
-              <a:gd name="connsiteX1" fmla="*/ 31994 w 332358"/>
-              <a:gd name="connsiteY1" fmla="*/ 311126 h 1142432"/>
-              <a:gd name="connsiteX2" fmla="*/ 38546 w 332358"/>
-              <a:gd name="connsiteY2" fmla="*/ 607431 h 1142432"/>
-              <a:gd name="connsiteX3" fmla="*/ 332358 w 332358"/>
-              <a:gd name="connsiteY3" fmla="*/ 1135408 h 1142432"/>
-              <a:gd name="connsiteX0" fmla="*/ 308764 w 339374"/>
-              <a:gd name="connsiteY0" fmla="*/ 0 h 1154711"/>
-              <a:gd name="connsiteX1" fmla="*/ 39010 w 339374"/>
-              <a:gd name="connsiteY1" fmla="*/ 311126 h 1154711"/>
-              <a:gd name="connsiteX2" fmla="*/ 32209 w 339374"/>
-              <a:gd name="connsiteY2" fmla="*/ 938950 h 1154711"/>
-              <a:gd name="connsiteX3" fmla="*/ 339374 w 339374"/>
-              <a:gd name="connsiteY3" fmla="*/ 1135408 h 1154711"/>
-              <a:gd name="connsiteX0" fmla="*/ 298429 w 329039"/>
-              <a:gd name="connsiteY0" fmla="*/ 0 h 1154711"/>
-              <a:gd name="connsiteX1" fmla="*/ 28675 w 329039"/>
-              <a:gd name="connsiteY1" fmla="*/ 311126 h 1154711"/>
-              <a:gd name="connsiteX2" fmla="*/ 21874 w 329039"/>
-              <a:gd name="connsiteY2" fmla="*/ 938950 h 1154711"/>
-              <a:gd name="connsiteX3" fmla="*/ 329039 w 329039"/>
-              <a:gd name="connsiteY3" fmla="*/ 1135408 h 1154711"/>
-              <a:gd name="connsiteX0" fmla="*/ 293429 w 324039"/>
-              <a:gd name="connsiteY0" fmla="*/ 0 h 1154711"/>
-              <a:gd name="connsiteX1" fmla="*/ 23675 w 324039"/>
-              <a:gd name="connsiteY1" fmla="*/ 311126 h 1154711"/>
-              <a:gd name="connsiteX2" fmla="*/ 16874 w 324039"/>
-              <a:gd name="connsiteY2" fmla="*/ 938950 h 1154711"/>
-              <a:gd name="connsiteX3" fmla="*/ 324039 w 324039"/>
-              <a:gd name="connsiteY3" fmla="*/ 1135408 h 1154711"/>
-              <a:gd name="connsiteX0" fmla="*/ 293429 w 324039"/>
-              <a:gd name="connsiteY0" fmla="*/ 0 h 1154711"/>
-              <a:gd name="connsiteX1" fmla="*/ 23675 w 324039"/>
-              <a:gd name="connsiteY1" fmla="*/ 311126 h 1154711"/>
-              <a:gd name="connsiteX2" fmla="*/ 16874 w 324039"/>
-              <a:gd name="connsiteY2" fmla="*/ 938950 h 1154711"/>
-              <a:gd name="connsiteX3" fmla="*/ 324039 w 324039"/>
-              <a:gd name="connsiteY3" fmla="*/ 1135408 h 1154711"/>
-              <a:gd name="connsiteX0" fmla="*/ 3068 w 487662"/>
-              <a:gd name="connsiteY0" fmla="*/ 0 h 1522264"/>
-              <a:gd name="connsiteX1" fmla="*/ 187298 w 487662"/>
-              <a:gd name="connsiteY1" fmla="*/ 678679 h 1522264"/>
-              <a:gd name="connsiteX2" fmla="*/ 180497 w 487662"/>
-              <a:gd name="connsiteY2" fmla="*/ 1306503 h 1522264"/>
-              <a:gd name="connsiteX3" fmla="*/ 487662 w 487662"/>
-              <a:gd name="connsiteY3" fmla="*/ 1502961 h 1522264"/>
-              <a:gd name="connsiteX0" fmla="*/ 4504 w 489098"/>
-              <a:gd name="connsiteY0" fmla="*/ 0 h 1522264"/>
-              <a:gd name="connsiteX1" fmla="*/ 188734 w 489098"/>
-              <a:gd name="connsiteY1" fmla="*/ 678679 h 1522264"/>
-              <a:gd name="connsiteX2" fmla="*/ 181933 w 489098"/>
-              <a:gd name="connsiteY2" fmla="*/ 1306503 h 1522264"/>
-              <a:gd name="connsiteX3" fmla="*/ 489098 w 489098"/>
-              <a:gd name="connsiteY3" fmla="*/ 1502961 h 1522264"/>
-              <a:gd name="connsiteX0" fmla="*/ 4504 w 489098"/>
-              <a:gd name="connsiteY0" fmla="*/ 0 h 1522264"/>
-              <a:gd name="connsiteX1" fmla="*/ 188734 w 489098"/>
-              <a:gd name="connsiteY1" fmla="*/ 678679 h 1522264"/>
-              <a:gd name="connsiteX2" fmla="*/ 181933 w 489098"/>
-              <a:gd name="connsiteY2" fmla="*/ 1306503 h 1522264"/>
-              <a:gd name="connsiteX3" fmla="*/ 489098 w 489098"/>
-              <a:gd name="connsiteY3" fmla="*/ 1502961 h 1522264"/>
-              <a:gd name="connsiteX0" fmla="*/ 4504 w 489098"/>
-              <a:gd name="connsiteY0" fmla="*/ 0 h 1522264"/>
-              <a:gd name="connsiteX1" fmla="*/ 188734 w 489098"/>
-              <a:gd name="connsiteY1" fmla="*/ 678679 h 1522264"/>
-              <a:gd name="connsiteX2" fmla="*/ 158848 w 489098"/>
-              <a:gd name="connsiteY2" fmla="*/ 688943 h 1522264"/>
-              <a:gd name="connsiteX3" fmla="*/ 181933 w 489098"/>
-              <a:gd name="connsiteY3" fmla="*/ 1306503 h 1522264"/>
-              <a:gd name="connsiteX4" fmla="*/ 489098 w 489098"/>
-              <a:gd name="connsiteY4" fmla="*/ 1502961 h 1522264"/>
-              <a:gd name="connsiteX0" fmla="*/ 9354 w 493948"/>
-              <a:gd name="connsiteY0" fmla="*/ 0 h 1522264"/>
-              <a:gd name="connsiteX1" fmla="*/ 76750 w 493948"/>
-              <a:gd name="connsiteY1" fmla="*/ 462471 h 1522264"/>
-              <a:gd name="connsiteX2" fmla="*/ 163698 w 493948"/>
-              <a:gd name="connsiteY2" fmla="*/ 688943 h 1522264"/>
-              <a:gd name="connsiteX3" fmla="*/ 186783 w 493948"/>
-              <a:gd name="connsiteY3" fmla="*/ 1306503 h 1522264"/>
-              <a:gd name="connsiteX4" fmla="*/ 493948 w 493948"/>
-              <a:gd name="connsiteY4" fmla="*/ 1502961 h 1522264"/>
-              <a:gd name="connsiteX0" fmla="*/ 0 w 484594"/>
-              <a:gd name="connsiteY0" fmla="*/ 0 h 1522264"/>
-              <a:gd name="connsiteX1" fmla="*/ 154344 w 484594"/>
-              <a:gd name="connsiteY1" fmla="*/ 688943 h 1522264"/>
-              <a:gd name="connsiteX2" fmla="*/ 177429 w 484594"/>
-              <a:gd name="connsiteY2" fmla="*/ 1306503 h 1522264"/>
-              <a:gd name="connsiteX3" fmla="*/ 484594 w 484594"/>
-              <a:gd name="connsiteY3" fmla="*/ 1502961 h 1522264"/>
-              <a:gd name="connsiteX0" fmla="*/ 0 w 444536"/>
-              <a:gd name="connsiteY0" fmla="*/ 0 h 1698834"/>
-              <a:gd name="connsiteX1" fmla="*/ 114286 w 444536"/>
-              <a:gd name="connsiteY1" fmla="*/ 865513 h 1698834"/>
-              <a:gd name="connsiteX2" fmla="*/ 137371 w 444536"/>
-              <a:gd name="connsiteY2" fmla="*/ 1483073 h 1698834"/>
-              <a:gd name="connsiteX3" fmla="*/ 444536 w 444536"/>
-              <a:gd name="connsiteY3" fmla="*/ 1679531 h 1698834"/>
-              <a:gd name="connsiteX0" fmla="*/ 1452 w 445988"/>
-              <a:gd name="connsiteY0" fmla="*/ 0 h 1698834"/>
-              <a:gd name="connsiteX1" fmla="*/ 115738 w 445988"/>
-              <a:gd name="connsiteY1" fmla="*/ 865513 h 1698834"/>
-              <a:gd name="connsiteX2" fmla="*/ 138823 w 445988"/>
-              <a:gd name="connsiteY2" fmla="*/ 1483073 h 1698834"/>
-              <a:gd name="connsiteX3" fmla="*/ 445988 w 445988"/>
-              <a:gd name="connsiteY3" fmla="*/ 1679531 h 1698834"/>
-              <a:gd name="connsiteX0" fmla="*/ 0 w 444536"/>
-              <a:gd name="connsiteY0" fmla="*/ 0 h 1698834"/>
-              <a:gd name="connsiteX1" fmla="*/ 137371 w 444536"/>
-              <a:gd name="connsiteY1" fmla="*/ 1483073 h 1698834"/>
-              <a:gd name="connsiteX2" fmla="*/ 444536 w 444536"/>
-              <a:gd name="connsiteY2" fmla="*/ 1679531 h 1698834"/>
-              <a:gd name="connsiteX0" fmla="*/ 0 w 444536"/>
-              <a:gd name="connsiteY0" fmla="*/ 0 h 1698834"/>
-              <a:gd name="connsiteX1" fmla="*/ 137371 w 444536"/>
-              <a:gd name="connsiteY1" fmla="*/ 1483073 h 1698834"/>
-              <a:gd name="connsiteX2" fmla="*/ 444536 w 444536"/>
-              <a:gd name="connsiteY2" fmla="*/ 1679531 h 1698834"/>
-              <a:gd name="connsiteX0" fmla="*/ 293221 w 317153"/>
-              <a:gd name="connsiteY0" fmla="*/ 0 h 1219573"/>
-              <a:gd name="connsiteX1" fmla="*/ 9988 w 317153"/>
-              <a:gd name="connsiteY1" fmla="*/ 1003812 h 1219573"/>
-              <a:gd name="connsiteX2" fmla="*/ 317153 w 317153"/>
-              <a:gd name="connsiteY2" fmla="*/ 1200270 h 1219573"/>
-              <a:gd name="connsiteX0" fmla="*/ 389436 w 413368"/>
-              <a:gd name="connsiteY0" fmla="*/ 59743 h 1279316"/>
-              <a:gd name="connsiteX1" fmla="*/ 106203 w 413368"/>
-              <a:gd name="connsiteY1" fmla="*/ 1063555 h 1279316"/>
-              <a:gd name="connsiteX2" fmla="*/ 413368 w 413368"/>
-              <a:gd name="connsiteY2" fmla="*/ 1260013 h 1279316"/>
-              <a:gd name="connsiteX0" fmla="*/ 397932 w 406186"/>
-              <a:gd name="connsiteY0" fmla="*/ 51993 h 1463098"/>
-              <a:gd name="connsiteX1" fmla="*/ 99021 w 406186"/>
-              <a:gd name="connsiteY1" fmla="*/ 1247337 h 1463098"/>
-              <a:gd name="connsiteX2" fmla="*/ 406186 w 406186"/>
-              <a:gd name="connsiteY2" fmla="*/ 1443795 h 1463098"/>
-              <a:gd name="connsiteX0" fmla="*/ 397932 w 406186"/>
-              <a:gd name="connsiteY0" fmla="*/ 0 h 1411105"/>
-              <a:gd name="connsiteX1" fmla="*/ 99021 w 406186"/>
-              <a:gd name="connsiteY1" fmla="*/ 1195344 h 1411105"/>
-              <a:gd name="connsiteX2" fmla="*/ 406186 w 406186"/>
-              <a:gd name="connsiteY2" fmla="*/ 1391802 h 1411105"/>
-              <a:gd name="connsiteX0" fmla="*/ 397932 w 406186"/>
-              <a:gd name="connsiteY0" fmla="*/ 0 h 1410562"/>
-              <a:gd name="connsiteX1" fmla="*/ 99021 w 406186"/>
-              <a:gd name="connsiteY1" fmla="*/ 1195344 h 1410562"/>
-              <a:gd name="connsiteX2" fmla="*/ 406186 w 406186"/>
-              <a:gd name="connsiteY2" fmla="*/ 1391802 h 1410562"/>
-            </a:gdLst>
-            <a:ahLst/>
-            <a:cxnLst>
-              <a:cxn ang="0">
-                <a:pos x="connsiteX0" y="connsiteY0"/>
-              </a:cxn>
-              <a:cxn ang="0">
-                <a:pos x="connsiteX1" y="connsiteY1"/>
-              </a:cxn>
-              <a:cxn ang="0">
-                <a:pos x="connsiteX2" y="connsiteY2"/>
-              </a:cxn>
-            </a:cxnLst>
-            <a:rect l="l" t="t" r="r" b="b"/>
-            <a:pathLst>
-              <a:path w="406186" h="1410562">
-                <a:moveTo>
-                  <a:pt x="397932" y="0"/>
-                </a:moveTo>
-                <a:cubicBezTo>
-                  <a:pt x="-187664" y="77391"/>
-                  <a:pt x="24932" y="915422"/>
-                  <a:pt x="99021" y="1195344"/>
-                </a:cubicBezTo>
-                <a:cubicBezTo>
-                  <a:pt x="141975" y="1326546"/>
-                  <a:pt x="285776" y="1460870"/>
-                  <a:pt x="406186" y="1391802"/>
-                </a:cubicBezTo>
-              </a:path>
-            </a:pathLst>
-          </a:custGeom>
-          <a:ln w="28575">
-            <a:tailEnd type="none" w="lg" len="lg"/>
-          </a:ln>
-        </p:spPr>
-        <p:style>
-          <a:lnRef idx="1">
-            <a:schemeClr val="dk1"/>
-          </a:lnRef>
-          <a:fillRef idx="0">
-            <a:schemeClr val="dk1"/>
-          </a:fillRef>
-          <a:effectRef idx="0">
-            <a:schemeClr val="dk1"/>
-          </a:effectRef>
-          <a:fontRef idx="minor">
-            <a:schemeClr val="tx1"/>
-          </a:fontRef>
-        </p:style>
-        <p:txBody>
-          <a:bodyPr rtlCol="0" anchor="ctr"/>
-          <a:lstStyle/>
-          <a:p>
-            <a:pPr algn="ctr"/>
-            <a:endParaRPr lang="en-IE" sz="1200">
-              <a:latin typeface="Century Schoolbook" panose="02040604050505020304" pitchFamily="18" charset="0"/>
-            </a:endParaRPr>
-          </a:p>
-        </p:txBody>
-      </p:sp>
-      <p:sp>
-        <p:nvSpPr>
-          <p:cNvPr id="42" name="Freeform 41"/>
-          <p:cNvSpPr/>
-          <p:nvPr/>
-        </p:nvSpPr>
-        <p:spPr>
-          <a:xfrm flipH="1" flipV="1">
-            <a:off x="5652120" y="3533442"/>
-            <a:ext cx="740310" cy="1031846"/>
-          </a:xfrm>
-          <a:custGeom>
-            <a:avLst/>
-            <a:gdLst>
-              <a:gd name="connsiteX0" fmla="*/ 334971 w 422894"/>
-              <a:gd name="connsiteY0" fmla="*/ 0 h 931985"/>
-              <a:gd name="connsiteX1" fmla="*/ 863 w 422894"/>
-              <a:gd name="connsiteY1" fmla="*/ 492369 h 931985"/>
-              <a:gd name="connsiteX2" fmla="*/ 422894 w 422894"/>
-              <a:gd name="connsiteY2" fmla="*/ 931985 h 931985"/>
-              <a:gd name="connsiteX0" fmla="*/ 299999 w 387922"/>
-              <a:gd name="connsiteY0" fmla="*/ 0 h 931985"/>
-              <a:gd name="connsiteX1" fmla="*/ 1060 w 387922"/>
-              <a:gd name="connsiteY1" fmla="*/ 422030 h 931985"/>
-              <a:gd name="connsiteX2" fmla="*/ 387922 w 387922"/>
-              <a:gd name="connsiteY2" fmla="*/ 931985 h 931985"/>
-              <a:gd name="connsiteX0" fmla="*/ 265139 w 353062"/>
-              <a:gd name="connsiteY0" fmla="*/ 0 h 931985"/>
-              <a:gd name="connsiteX1" fmla="*/ 1369 w 353062"/>
-              <a:gd name="connsiteY1" fmla="*/ 474784 h 931985"/>
-              <a:gd name="connsiteX2" fmla="*/ 353062 w 353062"/>
-              <a:gd name="connsiteY2" fmla="*/ 931985 h 931985"/>
-              <a:gd name="connsiteX0" fmla="*/ 256717 w 353433"/>
-              <a:gd name="connsiteY0" fmla="*/ 0 h 914401"/>
-              <a:gd name="connsiteX1" fmla="*/ 1740 w 353433"/>
-              <a:gd name="connsiteY1" fmla="*/ 457200 h 914401"/>
-              <a:gd name="connsiteX2" fmla="*/ 353433 w 353433"/>
-              <a:gd name="connsiteY2" fmla="*/ 914401 h 914401"/>
-              <a:gd name="connsiteX0" fmla="*/ 299349 w 352104"/>
-              <a:gd name="connsiteY0" fmla="*/ 0 h 940778"/>
-              <a:gd name="connsiteX1" fmla="*/ 411 w 352104"/>
-              <a:gd name="connsiteY1" fmla="*/ 483577 h 940778"/>
-              <a:gd name="connsiteX2" fmla="*/ 352104 w 352104"/>
-              <a:gd name="connsiteY2" fmla="*/ 940778 h 940778"/>
-              <a:gd name="connsiteX0" fmla="*/ 238108 w 290863"/>
-              <a:gd name="connsiteY0" fmla="*/ 0 h 940778"/>
-              <a:gd name="connsiteX1" fmla="*/ 716 w 290863"/>
-              <a:gd name="connsiteY1" fmla="*/ 474784 h 940778"/>
-              <a:gd name="connsiteX2" fmla="*/ 290863 w 290863"/>
-              <a:gd name="connsiteY2" fmla="*/ 940778 h 940778"/>
-              <a:gd name="connsiteX0" fmla="*/ 237908 w 281871"/>
-              <a:gd name="connsiteY0" fmla="*/ 0 h 1019909"/>
-              <a:gd name="connsiteX1" fmla="*/ 516 w 281871"/>
-              <a:gd name="connsiteY1" fmla="*/ 474784 h 1019909"/>
-              <a:gd name="connsiteX2" fmla="*/ 281871 w 281871"/>
-              <a:gd name="connsiteY2" fmla="*/ 1019909 h 1019909"/>
-              <a:gd name="connsiteX0" fmla="*/ 237908 w 281871"/>
-              <a:gd name="connsiteY0" fmla="*/ 0 h 1019909"/>
-              <a:gd name="connsiteX1" fmla="*/ 516 w 281871"/>
-              <a:gd name="connsiteY1" fmla="*/ 597877 h 1019909"/>
-              <a:gd name="connsiteX2" fmla="*/ 281871 w 281871"/>
-              <a:gd name="connsiteY2" fmla="*/ 1019909 h 1019909"/>
-              <a:gd name="connsiteX0" fmla="*/ 220464 w 264427"/>
-              <a:gd name="connsiteY0" fmla="*/ 0 h 1019909"/>
-              <a:gd name="connsiteX1" fmla="*/ 657 w 264427"/>
-              <a:gd name="connsiteY1" fmla="*/ 545123 h 1019909"/>
-              <a:gd name="connsiteX2" fmla="*/ 264427 w 264427"/>
-              <a:gd name="connsiteY2" fmla="*/ 1019909 h 1019909"/>
-              <a:gd name="connsiteX0" fmla="*/ 320264 w 320264"/>
-              <a:gd name="connsiteY0" fmla="*/ 0 h 930898"/>
-              <a:gd name="connsiteX1" fmla="*/ 314 w 320264"/>
-              <a:gd name="connsiteY1" fmla="*/ 456112 h 930898"/>
-              <a:gd name="connsiteX2" fmla="*/ 264084 w 320264"/>
-              <a:gd name="connsiteY2" fmla="*/ 930898 h 930898"/>
-              <a:gd name="connsiteX0" fmla="*/ 320569 w 320569"/>
-              <a:gd name="connsiteY0" fmla="*/ 0 h 987271"/>
-              <a:gd name="connsiteX1" fmla="*/ 619 w 320569"/>
-              <a:gd name="connsiteY1" fmla="*/ 456112 h 987271"/>
-              <a:gd name="connsiteX2" fmla="*/ 244360 w 320569"/>
-              <a:gd name="connsiteY2" fmla="*/ 987271 h 987271"/>
-              <a:gd name="connsiteX0" fmla="*/ 263247 w 263247"/>
-              <a:gd name="connsiteY0" fmla="*/ 0 h 1138590"/>
-              <a:gd name="connsiteX1" fmla="*/ 45 w 263247"/>
-              <a:gd name="connsiteY1" fmla="*/ 607431 h 1138590"/>
-              <a:gd name="connsiteX2" fmla="*/ 243786 w 263247"/>
-              <a:gd name="connsiteY2" fmla="*/ 1138590 h 1138590"/>
-              <a:gd name="connsiteX0" fmla="*/ 263247 w 263247"/>
-              <a:gd name="connsiteY0" fmla="*/ 0 h 1138590"/>
-              <a:gd name="connsiteX1" fmla="*/ 45 w 263247"/>
-              <a:gd name="connsiteY1" fmla="*/ 607431 h 1138590"/>
-              <a:gd name="connsiteX2" fmla="*/ 243786 w 263247"/>
-              <a:gd name="connsiteY2" fmla="*/ 1138590 h 1138590"/>
-              <a:gd name="connsiteX0" fmla="*/ 263264 w 263264"/>
-              <a:gd name="connsiteY0" fmla="*/ 0 h 1138590"/>
-              <a:gd name="connsiteX1" fmla="*/ 62 w 263264"/>
-              <a:gd name="connsiteY1" fmla="*/ 607431 h 1138590"/>
-              <a:gd name="connsiteX2" fmla="*/ 243803 w 263264"/>
-              <a:gd name="connsiteY2" fmla="*/ 1138590 h 1138590"/>
-              <a:gd name="connsiteX0" fmla="*/ 263208 w 263208"/>
-              <a:gd name="connsiteY0" fmla="*/ 0 h 1153425"/>
-              <a:gd name="connsiteX1" fmla="*/ 6 w 263208"/>
-              <a:gd name="connsiteY1" fmla="*/ 607431 h 1153425"/>
-              <a:gd name="connsiteX2" fmla="*/ 257099 w 263208"/>
-              <a:gd name="connsiteY2" fmla="*/ 1153425 h 1153425"/>
-              <a:gd name="connsiteX0" fmla="*/ 263469 w 294079"/>
-              <a:gd name="connsiteY0" fmla="*/ 0 h 1135408"/>
-              <a:gd name="connsiteX1" fmla="*/ 267 w 294079"/>
-              <a:gd name="connsiteY1" fmla="*/ 607431 h 1135408"/>
-              <a:gd name="connsiteX2" fmla="*/ 294079 w 294079"/>
-              <a:gd name="connsiteY2" fmla="*/ 1135408 h 1135408"/>
-              <a:gd name="connsiteX0" fmla="*/ 263469 w 294079"/>
-              <a:gd name="connsiteY0" fmla="*/ 0 h 1143198"/>
-              <a:gd name="connsiteX1" fmla="*/ 267 w 294079"/>
-              <a:gd name="connsiteY1" fmla="*/ 607431 h 1143198"/>
-              <a:gd name="connsiteX2" fmla="*/ 294079 w 294079"/>
-              <a:gd name="connsiteY2" fmla="*/ 1135408 h 1143198"/>
-              <a:gd name="connsiteX0" fmla="*/ 301748 w 332358"/>
-              <a:gd name="connsiteY0" fmla="*/ 0 h 1142432"/>
-              <a:gd name="connsiteX1" fmla="*/ 31994 w 332358"/>
-              <a:gd name="connsiteY1" fmla="*/ 311126 h 1142432"/>
-              <a:gd name="connsiteX2" fmla="*/ 38546 w 332358"/>
-              <a:gd name="connsiteY2" fmla="*/ 607431 h 1142432"/>
-              <a:gd name="connsiteX3" fmla="*/ 332358 w 332358"/>
-              <a:gd name="connsiteY3" fmla="*/ 1135408 h 1142432"/>
-              <a:gd name="connsiteX0" fmla="*/ 308764 w 339374"/>
-              <a:gd name="connsiteY0" fmla="*/ 0 h 1154711"/>
-              <a:gd name="connsiteX1" fmla="*/ 39010 w 339374"/>
-              <a:gd name="connsiteY1" fmla="*/ 311126 h 1154711"/>
-              <a:gd name="connsiteX2" fmla="*/ 32209 w 339374"/>
-              <a:gd name="connsiteY2" fmla="*/ 938950 h 1154711"/>
-              <a:gd name="connsiteX3" fmla="*/ 339374 w 339374"/>
-              <a:gd name="connsiteY3" fmla="*/ 1135408 h 1154711"/>
-              <a:gd name="connsiteX0" fmla="*/ 298429 w 329039"/>
-              <a:gd name="connsiteY0" fmla="*/ 0 h 1154711"/>
-              <a:gd name="connsiteX1" fmla="*/ 28675 w 329039"/>
-              <a:gd name="connsiteY1" fmla="*/ 311126 h 1154711"/>
-              <a:gd name="connsiteX2" fmla="*/ 21874 w 329039"/>
-              <a:gd name="connsiteY2" fmla="*/ 938950 h 1154711"/>
-              <a:gd name="connsiteX3" fmla="*/ 329039 w 329039"/>
-              <a:gd name="connsiteY3" fmla="*/ 1135408 h 1154711"/>
-              <a:gd name="connsiteX0" fmla="*/ 293429 w 324039"/>
-              <a:gd name="connsiteY0" fmla="*/ 0 h 1154711"/>
-              <a:gd name="connsiteX1" fmla="*/ 23675 w 324039"/>
-              <a:gd name="connsiteY1" fmla="*/ 311126 h 1154711"/>
-              <a:gd name="connsiteX2" fmla="*/ 16874 w 324039"/>
-              <a:gd name="connsiteY2" fmla="*/ 938950 h 1154711"/>
-              <a:gd name="connsiteX3" fmla="*/ 324039 w 324039"/>
-              <a:gd name="connsiteY3" fmla="*/ 1135408 h 1154711"/>
-              <a:gd name="connsiteX0" fmla="*/ 293429 w 324039"/>
-              <a:gd name="connsiteY0" fmla="*/ 0 h 1154711"/>
-              <a:gd name="connsiteX1" fmla="*/ 23675 w 324039"/>
-              <a:gd name="connsiteY1" fmla="*/ 311126 h 1154711"/>
-              <a:gd name="connsiteX2" fmla="*/ 16874 w 324039"/>
-              <a:gd name="connsiteY2" fmla="*/ 938950 h 1154711"/>
-              <a:gd name="connsiteX3" fmla="*/ 324039 w 324039"/>
-              <a:gd name="connsiteY3" fmla="*/ 1135408 h 1154711"/>
-              <a:gd name="connsiteX0" fmla="*/ 3068 w 487662"/>
-              <a:gd name="connsiteY0" fmla="*/ 0 h 1522264"/>
-              <a:gd name="connsiteX1" fmla="*/ 187298 w 487662"/>
-              <a:gd name="connsiteY1" fmla="*/ 678679 h 1522264"/>
-              <a:gd name="connsiteX2" fmla="*/ 180497 w 487662"/>
-              <a:gd name="connsiteY2" fmla="*/ 1306503 h 1522264"/>
-              <a:gd name="connsiteX3" fmla="*/ 487662 w 487662"/>
-              <a:gd name="connsiteY3" fmla="*/ 1502961 h 1522264"/>
-              <a:gd name="connsiteX0" fmla="*/ 4504 w 489098"/>
-              <a:gd name="connsiteY0" fmla="*/ 0 h 1522264"/>
-              <a:gd name="connsiteX1" fmla="*/ 188734 w 489098"/>
-              <a:gd name="connsiteY1" fmla="*/ 678679 h 1522264"/>
-              <a:gd name="connsiteX2" fmla="*/ 181933 w 489098"/>
-              <a:gd name="connsiteY2" fmla="*/ 1306503 h 1522264"/>
-              <a:gd name="connsiteX3" fmla="*/ 489098 w 489098"/>
-              <a:gd name="connsiteY3" fmla="*/ 1502961 h 1522264"/>
-              <a:gd name="connsiteX0" fmla="*/ 4504 w 489098"/>
-              <a:gd name="connsiteY0" fmla="*/ 0 h 1522264"/>
-              <a:gd name="connsiteX1" fmla="*/ 188734 w 489098"/>
-              <a:gd name="connsiteY1" fmla="*/ 678679 h 1522264"/>
-              <a:gd name="connsiteX2" fmla="*/ 181933 w 489098"/>
-              <a:gd name="connsiteY2" fmla="*/ 1306503 h 1522264"/>
-              <a:gd name="connsiteX3" fmla="*/ 489098 w 489098"/>
-              <a:gd name="connsiteY3" fmla="*/ 1502961 h 1522264"/>
-              <a:gd name="connsiteX0" fmla="*/ 4504 w 489098"/>
-              <a:gd name="connsiteY0" fmla="*/ 0 h 1522264"/>
-              <a:gd name="connsiteX1" fmla="*/ 188734 w 489098"/>
-              <a:gd name="connsiteY1" fmla="*/ 678679 h 1522264"/>
-              <a:gd name="connsiteX2" fmla="*/ 158848 w 489098"/>
-              <a:gd name="connsiteY2" fmla="*/ 688943 h 1522264"/>
-              <a:gd name="connsiteX3" fmla="*/ 181933 w 489098"/>
-              <a:gd name="connsiteY3" fmla="*/ 1306503 h 1522264"/>
-              <a:gd name="connsiteX4" fmla="*/ 489098 w 489098"/>
-              <a:gd name="connsiteY4" fmla="*/ 1502961 h 1522264"/>
-              <a:gd name="connsiteX0" fmla="*/ 9354 w 493948"/>
-              <a:gd name="connsiteY0" fmla="*/ 0 h 1522264"/>
-              <a:gd name="connsiteX1" fmla="*/ 76750 w 493948"/>
-              <a:gd name="connsiteY1" fmla="*/ 462471 h 1522264"/>
-              <a:gd name="connsiteX2" fmla="*/ 163698 w 493948"/>
-              <a:gd name="connsiteY2" fmla="*/ 688943 h 1522264"/>
-              <a:gd name="connsiteX3" fmla="*/ 186783 w 493948"/>
-              <a:gd name="connsiteY3" fmla="*/ 1306503 h 1522264"/>
-              <a:gd name="connsiteX4" fmla="*/ 493948 w 493948"/>
-              <a:gd name="connsiteY4" fmla="*/ 1502961 h 1522264"/>
-              <a:gd name="connsiteX0" fmla="*/ 0 w 484594"/>
-              <a:gd name="connsiteY0" fmla="*/ 0 h 1522264"/>
-              <a:gd name="connsiteX1" fmla="*/ 154344 w 484594"/>
-              <a:gd name="connsiteY1" fmla="*/ 688943 h 1522264"/>
-              <a:gd name="connsiteX2" fmla="*/ 177429 w 484594"/>
-              <a:gd name="connsiteY2" fmla="*/ 1306503 h 1522264"/>
-              <a:gd name="connsiteX3" fmla="*/ 484594 w 484594"/>
-              <a:gd name="connsiteY3" fmla="*/ 1502961 h 1522264"/>
-              <a:gd name="connsiteX0" fmla="*/ 0 w 444536"/>
-              <a:gd name="connsiteY0" fmla="*/ 0 h 1698834"/>
-              <a:gd name="connsiteX1" fmla="*/ 114286 w 444536"/>
-              <a:gd name="connsiteY1" fmla="*/ 865513 h 1698834"/>
-              <a:gd name="connsiteX2" fmla="*/ 137371 w 444536"/>
-              <a:gd name="connsiteY2" fmla="*/ 1483073 h 1698834"/>
-              <a:gd name="connsiteX3" fmla="*/ 444536 w 444536"/>
-              <a:gd name="connsiteY3" fmla="*/ 1679531 h 1698834"/>
-              <a:gd name="connsiteX0" fmla="*/ 1452 w 445988"/>
-              <a:gd name="connsiteY0" fmla="*/ 0 h 1698834"/>
-              <a:gd name="connsiteX1" fmla="*/ 115738 w 445988"/>
-              <a:gd name="connsiteY1" fmla="*/ 865513 h 1698834"/>
-              <a:gd name="connsiteX2" fmla="*/ 138823 w 445988"/>
-              <a:gd name="connsiteY2" fmla="*/ 1483073 h 1698834"/>
-              <a:gd name="connsiteX3" fmla="*/ 445988 w 445988"/>
-              <a:gd name="connsiteY3" fmla="*/ 1679531 h 1698834"/>
-              <a:gd name="connsiteX0" fmla="*/ 0 w 444536"/>
-              <a:gd name="connsiteY0" fmla="*/ 0 h 1698834"/>
-              <a:gd name="connsiteX1" fmla="*/ 137371 w 444536"/>
-              <a:gd name="connsiteY1" fmla="*/ 1483073 h 1698834"/>
-              <a:gd name="connsiteX2" fmla="*/ 444536 w 444536"/>
-              <a:gd name="connsiteY2" fmla="*/ 1679531 h 1698834"/>
-              <a:gd name="connsiteX0" fmla="*/ 0 w 444536"/>
-              <a:gd name="connsiteY0" fmla="*/ 0 h 1698834"/>
-              <a:gd name="connsiteX1" fmla="*/ 137371 w 444536"/>
-              <a:gd name="connsiteY1" fmla="*/ 1483073 h 1698834"/>
-              <a:gd name="connsiteX2" fmla="*/ 444536 w 444536"/>
-              <a:gd name="connsiteY2" fmla="*/ 1679531 h 1698834"/>
-              <a:gd name="connsiteX0" fmla="*/ 293221 w 317153"/>
-              <a:gd name="connsiteY0" fmla="*/ 0 h 1219573"/>
-              <a:gd name="connsiteX1" fmla="*/ 9988 w 317153"/>
-              <a:gd name="connsiteY1" fmla="*/ 1003812 h 1219573"/>
-              <a:gd name="connsiteX2" fmla="*/ 317153 w 317153"/>
-              <a:gd name="connsiteY2" fmla="*/ 1200270 h 1219573"/>
-              <a:gd name="connsiteX0" fmla="*/ 389436 w 413368"/>
-              <a:gd name="connsiteY0" fmla="*/ 59743 h 1279316"/>
-              <a:gd name="connsiteX1" fmla="*/ 106203 w 413368"/>
-              <a:gd name="connsiteY1" fmla="*/ 1063555 h 1279316"/>
-              <a:gd name="connsiteX2" fmla="*/ 413368 w 413368"/>
-              <a:gd name="connsiteY2" fmla="*/ 1260013 h 1279316"/>
-              <a:gd name="connsiteX0" fmla="*/ 397932 w 406186"/>
-              <a:gd name="connsiteY0" fmla="*/ 51993 h 1463098"/>
-              <a:gd name="connsiteX1" fmla="*/ 99021 w 406186"/>
-              <a:gd name="connsiteY1" fmla="*/ 1247337 h 1463098"/>
-              <a:gd name="connsiteX2" fmla="*/ 406186 w 406186"/>
-              <a:gd name="connsiteY2" fmla="*/ 1443795 h 1463098"/>
-              <a:gd name="connsiteX0" fmla="*/ 397932 w 406186"/>
-              <a:gd name="connsiteY0" fmla="*/ 0 h 1411105"/>
-              <a:gd name="connsiteX1" fmla="*/ 99021 w 406186"/>
-              <a:gd name="connsiteY1" fmla="*/ 1195344 h 1411105"/>
-              <a:gd name="connsiteX2" fmla="*/ 406186 w 406186"/>
-              <a:gd name="connsiteY2" fmla="*/ 1391802 h 1411105"/>
-              <a:gd name="connsiteX0" fmla="*/ 371831 w 430151"/>
-              <a:gd name="connsiteY0" fmla="*/ 0 h 1926489"/>
-              <a:gd name="connsiteX1" fmla="*/ 122986 w 430151"/>
-              <a:gd name="connsiteY1" fmla="*/ 1710728 h 1926489"/>
-              <a:gd name="connsiteX2" fmla="*/ 430151 w 430151"/>
-              <a:gd name="connsiteY2" fmla="*/ 1907186 h 1926489"/>
-              <a:gd name="connsiteX0" fmla="*/ 324914 w 383234"/>
-              <a:gd name="connsiteY0" fmla="*/ 0 h 1926489"/>
-              <a:gd name="connsiteX1" fmla="*/ 76069 w 383234"/>
-              <a:gd name="connsiteY1" fmla="*/ 1710728 h 1926489"/>
-              <a:gd name="connsiteX2" fmla="*/ 383234 w 383234"/>
-              <a:gd name="connsiteY2" fmla="*/ 1907186 h 1926489"/>
-              <a:gd name="connsiteX0" fmla="*/ 324914 w 383234"/>
-              <a:gd name="connsiteY0" fmla="*/ 0 h 1951110"/>
-              <a:gd name="connsiteX1" fmla="*/ 76069 w 383234"/>
-              <a:gd name="connsiteY1" fmla="*/ 1710728 h 1951110"/>
-              <a:gd name="connsiteX2" fmla="*/ 383234 w 383234"/>
-              <a:gd name="connsiteY2" fmla="*/ 1907186 h 1951110"/>
-            </a:gdLst>
-            <a:ahLst/>
-            <a:cxnLst>
-              <a:cxn ang="0">
-                <a:pos x="connsiteX0" y="connsiteY0"/>
-              </a:cxn>
-              <a:cxn ang="0">
-                <a:pos x="connsiteX1" y="connsiteY1"/>
-              </a:cxn>
-              <a:cxn ang="0">
-                <a:pos x="connsiteX2" y="connsiteY2"/>
-              </a:cxn>
-            </a:cxnLst>
-            <a:rect l="l" t="t" r="r" b="b"/>
-            <a:pathLst>
-              <a:path w="383234" h="1951110">
-                <a:moveTo>
-                  <a:pt x="324914" y="0"/>
-                </a:moveTo>
-                <a:cubicBezTo>
-                  <a:pt x="-128689" y="725778"/>
-                  <a:pt x="1980" y="1430806"/>
-                  <a:pt x="76069" y="1710728"/>
-                </a:cubicBezTo>
-                <a:cubicBezTo>
-                  <a:pt x="158595" y="1997736"/>
-                  <a:pt x="262824" y="1976254"/>
-                  <a:pt x="383234" y="1907186"/>
-                </a:cubicBezTo>
-              </a:path>
-            </a:pathLst>
-          </a:custGeom>
-          <a:ln w="28575">
-            <a:tailEnd type="none" w="lg" len="lg"/>
-          </a:ln>
-        </p:spPr>
-        <p:style>
-          <a:lnRef idx="1">
-            <a:schemeClr val="dk1"/>
-          </a:lnRef>
-          <a:fillRef idx="0">
-            <a:schemeClr val="dk1"/>
-          </a:fillRef>
-          <a:effectRef idx="0">
-            <a:schemeClr val="dk1"/>
-          </a:effectRef>
-          <a:fontRef idx="minor">
-            <a:schemeClr val="tx1"/>
-          </a:fontRef>
-        </p:style>
-        <p:txBody>
-          <a:bodyPr rtlCol="0" anchor="ctr"/>
-          <a:lstStyle/>
-          <a:p>
-            <a:pPr algn="ctr"/>
-            <a:endParaRPr lang="en-IE" sz="1050">
-              <a:latin typeface="Century Schoolbook" panose="02040604050505020304" pitchFamily="18" charset="0"/>
-            </a:endParaRPr>
-          </a:p>
-        </p:txBody>
-      </p:sp>
-      <p:sp>
-        <p:nvSpPr>
-          <p:cNvPr id="22" name="Freeform 21"/>
-          <p:cNvSpPr/>
-          <p:nvPr/>
-        </p:nvSpPr>
-        <p:spPr>
-          <a:xfrm rot="13453476" flipH="1">
-            <a:off x="4340982" y="1609351"/>
-            <a:ext cx="289515" cy="1115896"/>
-          </a:xfrm>
-          <a:custGeom>
-            <a:avLst/>
-            <a:gdLst>
-              <a:gd name="connsiteX0" fmla="*/ 334971 w 422894"/>
-              <a:gd name="connsiteY0" fmla="*/ 0 h 931985"/>
-              <a:gd name="connsiteX1" fmla="*/ 863 w 422894"/>
-              <a:gd name="connsiteY1" fmla="*/ 492369 h 931985"/>
-              <a:gd name="connsiteX2" fmla="*/ 422894 w 422894"/>
-              <a:gd name="connsiteY2" fmla="*/ 931985 h 931985"/>
-              <a:gd name="connsiteX0" fmla="*/ 299999 w 387922"/>
-              <a:gd name="connsiteY0" fmla="*/ 0 h 931985"/>
-              <a:gd name="connsiteX1" fmla="*/ 1060 w 387922"/>
-              <a:gd name="connsiteY1" fmla="*/ 422030 h 931985"/>
-              <a:gd name="connsiteX2" fmla="*/ 387922 w 387922"/>
-              <a:gd name="connsiteY2" fmla="*/ 931985 h 931985"/>
-              <a:gd name="connsiteX0" fmla="*/ 265139 w 353062"/>
-              <a:gd name="connsiteY0" fmla="*/ 0 h 931985"/>
-              <a:gd name="connsiteX1" fmla="*/ 1369 w 353062"/>
-              <a:gd name="connsiteY1" fmla="*/ 474784 h 931985"/>
-              <a:gd name="connsiteX2" fmla="*/ 353062 w 353062"/>
-              <a:gd name="connsiteY2" fmla="*/ 931985 h 931985"/>
-              <a:gd name="connsiteX0" fmla="*/ 256717 w 353433"/>
-              <a:gd name="connsiteY0" fmla="*/ 0 h 914401"/>
-              <a:gd name="connsiteX1" fmla="*/ 1740 w 353433"/>
-              <a:gd name="connsiteY1" fmla="*/ 457200 h 914401"/>
-              <a:gd name="connsiteX2" fmla="*/ 353433 w 353433"/>
-              <a:gd name="connsiteY2" fmla="*/ 914401 h 914401"/>
-              <a:gd name="connsiteX0" fmla="*/ 299349 w 352104"/>
-              <a:gd name="connsiteY0" fmla="*/ 0 h 940778"/>
-              <a:gd name="connsiteX1" fmla="*/ 411 w 352104"/>
-              <a:gd name="connsiteY1" fmla="*/ 483577 h 940778"/>
-              <a:gd name="connsiteX2" fmla="*/ 352104 w 352104"/>
-              <a:gd name="connsiteY2" fmla="*/ 940778 h 940778"/>
-              <a:gd name="connsiteX0" fmla="*/ 238108 w 290863"/>
-              <a:gd name="connsiteY0" fmla="*/ 0 h 940778"/>
-              <a:gd name="connsiteX1" fmla="*/ 716 w 290863"/>
-              <a:gd name="connsiteY1" fmla="*/ 474784 h 940778"/>
-              <a:gd name="connsiteX2" fmla="*/ 290863 w 290863"/>
-              <a:gd name="connsiteY2" fmla="*/ 940778 h 940778"/>
-              <a:gd name="connsiteX0" fmla="*/ 237908 w 281871"/>
-              <a:gd name="connsiteY0" fmla="*/ 0 h 1019909"/>
-              <a:gd name="connsiteX1" fmla="*/ 516 w 281871"/>
-              <a:gd name="connsiteY1" fmla="*/ 474784 h 1019909"/>
-              <a:gd name="connsiteX2" fmla="*/ 281871 w 281871"/>
-              <a:gd name="connsiteY2" fmla="*/ 1019909 h 1019909"/>
-              <a:gd name="connsiteX0" fmla="*/ 237908 w 281871"/>
-              <a:gd name="connsiteY0" fmla="*/ 0 h 1019909"/>
-              <a:gd name="connsiteX1" fmla="*/ 516 w 281871"/>
-              <a:gd name="connsiteY1" fmla="*/ 597877 h 1019909"/>
-              <a:gd name="connsiteX2" fmla="*/ 281871 w 281871"/>
-              <a:gd name="connsiteY2" fmla="*/ 1019909 h 1019909"/>
-              <a:gd name="connsiteX0" fmla="*/ 220464 w 264427"/>
-              <a:gd name="connsiteY0" fmla="*/ 0 h 1019909"/>
-              <a:gd name="connsiteX1" fmla="*/ 657 w 264427"/>
-              <a:gd name="connsiteY1" fmla="*/ 545123 h 1019909"/>
-              <a:gd name="connsiteX2" fmla="*/ 264427 w 264427"/>
-              <a:gd name="connsiteY2" fmla="*/ 1019909 h 1019909"/>
-            </a:gdLst>
-            <a:ahLst/>
-            <a:cxnLst>
-              <a:cxn ang="0">
-                <a:pos x="connsiteX0" y="connsiteY0"/>
-              </a:cxn>
-              <a:cxn ang="0">
-                <a:pos x="connsiteX1" y="connsiteY1"/>
-              </a:cxn>
-              <a:cxn ang="0">
-                <a:pos x="connsiteX2" y="connsiteY2"/>
-              </a:cxn>
-            </a:cxnLst>
-            <a:rect l="l" t="t" r="r" b="b"/>
-            <a:pathLst>
-              <a:path w="264427" h="1019909">
-                <a:moveTo>
-                  <a:pt x="220464" y="0"/>
-                </a:moveTo>
-                <a:cubicBezTo>
-                  <a:pt x="46083" y="168519"/>
-                  <a:pt x="-6670" y="375138"/>
-                  <a:pt x="657" y="545123"/>
-                </a:cubicBezTo>
-                <a:cubicBezTo>
-                  <a:pt x="7984" y="715108"/>
-                  <a:pt x="194089" y="971551"/>
-                  <a:pt x="264427" y="1019909"/>
-                </a:cubicBezTo>
-              </a:path>
-            </a:pathLst>
-          </a:custGeom>
-          <a:ln w="28575">
-            <a:tailEnd type="triangle" w="lg" len="lg"/>
-          </a:ln>
-        </p:spPr>
-        <p:style>
-          <a:lnRef idx="1">
-            <a:schemeClr val="dk1"/>
-          </a:lnRef>
-          <a:fillRef idx="0">
-            <a:schemeClr val="dk1"/>
-          </a:fillRef>
-          <a:effectRef idx="0">
-            <a:schemeClr val="dk1"/>
-          </a:effectRef>
-          <a:fontRef idx="minor">
-            <a:schemeClr val="tx1"/>
-          </a:fontRef>
-        </p:style>
-        <p:txBody>
-          <a:bodyPr rtlCol="0" anchor="ctr"/>
-          <a:lstStyle/>
-          <a:p>
-            <a:pPr algn="ctr"/>
-            <a:endParaRPr lang="en-IE" sz="1400">
-              <a:latin typeface="Century Schoolbook" panose="02040604050505020304" pitchFamily="18" charset="0"/>
-            </a:endParaRPr>
-          </a:p>
-        </p:txBody>
-      </p:sp>
-      <p:sp>
-        <p:nvSpPr>
-          <p:cNvPr id="4" name="Oval 3"/>
-          <p:cNvSpPr/>
+          <p:cNvPr id="32" name="TextBox 31"/>
+          <p:cNvSpPr txBox="1"/>
           <p:nvPr/>
         </p:nvSpPr>
         <p:spPr>
           <a:xfrm>
-            <a:off x="1403648" y="2431431"/>
-            <a:ext cx="1044116" cy="986110"/>
-          </a:xfrm>
-          <a:prstGeom prst="ellipse">
-            <a:avLst/>
-          </a:prstGeom>
-        </p:spPr>
-        <p:style>
-          <a:lnRef idx="2">
-            <a:schemeClr val="dk1"/>
-          </a:lnRef>
-          <a:fillRef idx="1">
-            <a:schemeClr val="lt1"/>
-          </a:fillRef>
-          <a:effectRef idx="0">
-            <a:schemeClr val="dk1"/>
-          </a:effectRef>
-          <a:fontRef idx="minor">
-            <a:schemeClr val="dk1"/>
-          </a:fontRef>
-        </p:style>
-        <p:txBody>
-          <a:bodyPr rtlCol="0" anchor="ctr"/>
-          <a:lstStyle/>
-          <a:p>
-            <a:pPr algn="ctr"/>
-            <a:r>
-              <a:rPr lang="en-IE" sz="1400" dirty="0" smtClean="0">
-                <a:latin typeface="Century Schoolbook" panose="02040604050505020304" pitchFamily="18" charset="0"/>
-              </a:rPr>
-              <a:t>Idle</a:t>
-            </a:r>
-            <a:endParaRPr lang="en-IE" sz="1400" dirty="0">
-              <a:latin typeface="Century Schoolbook" panose="02040604050505020304" pitchFamily="18" charset="0"/>
-            </a:endParaRPr>
-          </a:p>
-        </p:txBody>
-      </p:sp>
-      <p:sp>
-        <p:nvSpPr>
-          <p:cNvPr id="23" name="Freeform 22"/>
-          <p:cNvSpPr/>
-          <p:nvPr/>
-        </p:nvSpPr>
-        <p:spPr>
-          <a:xfrm rot="5400000" flipH="1">
-            <a:off x="3155401" y="1907310"/>
-            <a:ext cx="1170867" cy="4145088"/>
-          </a:xfrm>
-          <a:custGeom>
-            <a:avLst/>
-            <a:gdLst>
-              <a:gd name="connsiteX0" fmla="*/ 334971 w 422894"/>
-              <a:gd name="connsiteY0" fmla="*/ 0 h 931985"/>
-              <a:gd name="connsiteX1" fmla="*/ 863 w 422894"/>
-              <a:gd name="connsiteY1" fmla="*/ 492369 h 931985"/>
-              <a:gd name="connsiteX2" fmla="*/ 422894 w 422894"/>
-              <a:gd name="connsiteY2" fmla="*/ 931985 h 931985"/>
-              <a:gd name="connsiteX0" fmla="*/ 299999 w 387922"/>
-              <a:gd name="connsiteY0" fmla="*/ 0 h 931985"/>
-              <a:gd name="connsiteX1" fmla="*/ 1060 w 387922"/>
-              <a:gd name="connsiteY1" fmla="*/ 422030 h 931985"/>
-              <a:gd name="connsiteX2" fmla="*/ 387922 w 387922"/>
-              <a:gd name="connsiteY2" fmla="*/ 931985 h 931985"/>
-              <a:gd name="connsiteX0" fmla="*/ 265139 w 353062"/>
-              <a:gd name="connsiteY0" fmla="*/ 0 h 931985"/>
-              <a:gd name="connsiteX1" fmla="*/ 1369 w 353062"/>
-              <a:gd name="connsiteY1" fmla="*/ 474784 h 931985"/>
-              <a:gd name="connsiteX2" fmla="*/ 353062 w 353062"/>
-              <a:gd name="connsiteY2" fmla="*/ 931985 h 931985"/>
-              <a:gd name="connsiteX0" fmla="*/ 256717 w 353433"/>
-              <a:gd name="connsiteY0" fmla="*/ 0 h 914401"/>
-              <a:gd name="connsiteX1" fmla="*/ 1740 w 353433"/>
-              <a:gd name="connsiteY1" fmla="*/ 457200 h 914401"/>
-              <a:gd name="connsiteX2" fmla="*/ 353433 w 353433"/>
-              <a:gd name="connsiteY2" fmla="*/ 914401 h 914401"/>
-              <a:gd name="connsiteX0" fmla="*/ 299349 w 352104"/>
-              <a:gd name="connsiteY0" fmla="*/ 0 h 940778"/>
-              <a:gd name="connsiteX1" fmla="*/ 411 w 352104"/>
-              <a:gd name="connsiteY1" fmla="*/ 483577 h 940778"/>
-              <a:gd name="connsiteX2" fmla="*/ 352104 w 352104"/>
-              <a:gd name="connsiteY2" fmla="*/ 940778 h 940778"/>
-              <a:gd name="connsiteX0" fmla="*/ 238108 w 290863"/>
-              <a:gd name="connsiteY0" fmla="*/ 0 h 940778"/>
-              <a:gd name="connsiteX1" fmla="*/ 716 w 290863"/>
-              <a:gd name="connsiteY1" fmla="*/ 474784 h 940778"/>
-              <a:gd name="connsiteX2" fmla="*/ 290863 w 290863"/>
-              <a:gd name="connsiteY2" fmla="*/ 940778 h 940778"/>
-              <a:gd name="connsiteX0" fmla="*/ 237908 w 281871"/>
-              <a:gd name="connsiteY0" fmla="*/ 0 h 1019909"/>
-              <a:gd name="connsiteX1" fmla="*/ 516 w 281871"/>
-              <a:gd name="connsiteY1" fmla="*/ 474784 h 1019909"/>
-              <a:gd name="connsiteX2" fmla="*/ 281871 w 281871"/>
-              <a:gd name="connsiteY2" fmla="*/ 1019909 h 1019909"/>
-              <a:gd name="connsiteX0" fmla="*/ 237908 w 281871"/>
-              <a:gd name="connsiteY0" fmla="*/ 0 h 1019909"/>
-              <a:gd name="connsiteX1" fmla="*/ 516 w 281871"/>
-              <a:gd name="connsiteY1" fmla="*/ 597877 h 1019909"/>
-              <a:gd name="connsiteX2" fmla="*/ 281871 w 281871"/>
-              <a:gd name="connsiteY2" fmla="*/ 1019909 h 1019909"/>
-              <a:gd name="connsiteX0" fmla="*/ 220464 w 264427"/>
-              <a:gd name="connsiteY0" fmla="*/ 0 h 1019909"/>
-              <a:gd name="connsiteX1" fmla="*/ 657 w 264427"/>
-              <a:gd name="connsiteY1" fmla="*/ 545123 h 1019909"/>
-              <a:gd name="connsiteX2" fmla="*/ 264427 w 264427"/>
-              <a:gd name="connsiteY2" fmla="*/ 1019909 h 1019909"/>
-              <a:gd name="connsiteX0" fmla="*/ 320264 w 320264"/>
-              <a:gd name="connsiteY0" fmla="*/ 0 h 930898"/>
-              <a:gd name="connsiteX1" fmla="*/ 314 w 320264"/>
-              <a:gd name="connsiteY1" fmla="*/ 456112 h 930898"/>
-              <a:gd name="connsiteX2" fmla="*/ 264084 w 320264"/>
-              <a:gd name="connsiteY2" fmla="*/ 930898 h 930898"/>
-              <a:gd name="connsiteX0" fmla="*/ 320569 w 320569"/>
-              <a:gd name="connsiteY0" fmla="*/ 0 h 987271"/>
-              <a:gd name="connsiteX1" fmla="*/ 619 w 320569"/>
-              <a:gd name="connsiteY1" fmla="*/ 456112 h 987271"/>
-              <a:gd name="connsiteX2" fmla="*/ 244360 w 320569"/>
-              <a:gd name="connsiteY2" fmla="*/ 987271 h 987271"/>
-              <a:gd name="connsiteX0" fmla="*/ 263247 w 263247"/>
-              <a:gd name="connsiteY0" fmla="*/ 0 h 1138590"/>
-              <a:gd name="connsiteX1" fmla="*/ 45 w 263247"/>
-              <a:gd name="connsiteY1" fmla="*/ 607431 h 1138590"/>
-              <a:gd name="connsiteX2" fmla="*/ 243786 w 263247"/>
-              <a:gd name="connsiteY2" fmla="*/ 1138590 h 1138590"/>
-              <a:gd name="connsiteX0" fmla="*/ 263247 w 263247"/>
-              <a:gd name="connsiteY0" fmla="*/ 0 h 1138590"/>
-              <a:gd name="connsiteX1" fmla="*/ 45 w 263247"/>
-              <a:gd name="connsiteY1" fmla="*/ 607431 h 1138590"/>
-              <a:gd name="connsiteX2" fmla="*/ 243786 w 263247"/>
-              <a:gd name="connsiteY2" fmla="*/ 1138590 h 1138590"/>
-              <a:gd name="connsiteX0" fmla="*/ 263264 w 263264"/>
-              <a:gd name="connsiteY0" fmla="*/ 0 h 1138590"/>
-              <a:gd name="connsiteX1" fmla="*/ 62 w 263264"/>
-              <a:gd name="connsiteY1" fmla="*/ 607431 h 1138590"/>
-              <a:gd name="connsiteX2" fmla="*/ 243803 w 263264"/>
-              <a:gd name="connsiteY2" fmla="*/ 1138590 h 1138590"/>
-              <a:gd name="connsiteX0" fmla="*/ 263208 w 263208"/>
-              <a:gd name="connsiteY0" fmla="*/ 0 h 1153425"/>
-              <a:gd name="connsiteX1" fmla="*/ 6 w 263208"/>
-              <a:gd name="connsiteY1" fmla="*/ 607431 h 1153425"/>
-              <a:gd name="connsiteX2" fmla="*/ 257099 w 263208"/>
-              <a:gd name="connsiteY2" fmla="*/ 1153425 h 1153425"/>
-              <a:gd name="connsiteX0" fmla="*/ 263469 w 294079"/>
-              <a:gd name="connsiteY0" fmla="*/ 0 h 1135408"/>
-              <a:gd name="connsiteX1" fmla="*/ 267 w 294079"/>
-              <a:gd name="connsiteY1" fmla="*/ 607431 h 1135408"/>
-              <a:gd name="connsiteX2" fmla="*/ 294079 w 294079"/>
-              <a:gd name="connsiteY2" fmla="*/ 1135408 h 1135408"/>
-              <a:gd name="connsiteX0" fmla="*/ 263469 w 294079"/>
-              <a:gd name="connsiteY0" fmla="*/ 0 h 1143198"/>
-              <a:gd name="connsiteX1" fmla="*/ 267 w 294079"/>
-              <a:gd name="connsiteY1" fmla="*/ 607431 h 1143198"/>
-              <a:gd name="connsiteX2" fmla="*/ 294079 w 294079"/>
-              <a:gd name="connsiteY2" fmla="*/ 1135408 h 1143198"/>
-              <a:gd name="connsiteX0" fmla="*/ 301748 w 332358"/>
-              <a:gd name="connsiteY0" fmla="*/ 0 h 1142432"/>
-              <a:gd name="connsiteX1" fmla="*/ 31994 w 332358"/>
-              <a:gd name="connsiteY1" fmla="*/ 311126 h 1142432"/>
-              <a:gd name="connsiteX2" fmla="*/ 38546 w 332358"/>
-              <a:gd name="connsiteY2" fmla="*/ 607431 h 1142432"/>
-              <a:gd name="connsiteX3" fmla="*/ 332358 w 332358"/>
-              <a:gd name="connsiteY3" fmla="*/ 1135408 h 1142432"/>
-              <a:gd name="connsiteX0" fmla="*/ 308764 w 339374"/>
-              <a:gd name="connsiteY0" fmla="*/ 0 h 1154711"/>
-              <a:gd name="connsiteX1" fmla="*/ 39010 w 339374"/>
-              <a:gd name="connsiteY1" fmla="*/ 311126 h 1154711"/>
-              <a:gd name="connsiteX2" fmla="*/ 32209 w 339374"/>
-              <a:gd name="connsiteY2" fmla="*/ 938950 h 1154711"/>
-              <a:gd name="connsiteX3" fmla="*/ 339374 w 339374"/>
-              <a:gd name="connsiteY3" fmla="*/ 1135408 h 1154711"/>
-              <a:gd name="connsiteX0" fmla="*/ 298429 w 329039"/>
-              <a:gd name="connsiteY0" fmla="*/ 0 h 1154711"/>
-              <a:gd name="connsiteX1" fmla="*/ 28675 w 329039"/>
-              <a:gd name="connsiteY1" fmla="*/ 311126 h 1154711"/>
-              <a:gd name="connsiteX2" fmla="*/ 21874 w 329039"/>
-              <a:gd name="connsiteY2" fmla="*/ 938950 h 1154711"/>
-              <a:gd name="connsiteX3" fmla="*/ 329039 w 329039"/>
-              <a:gd name="connsiteY3" fmla="*/ 1135408 h 1154711"/>
-              <a:gd name="connsiteX0" fmla="*/ 293429 w 324039"/>
-              <a:gd name="connsiteY0" fmla="*/ 0 h 1154711"/>
-              <a:gd name="connsiteX1" fmla="*/ 23675 w 324039"/>
-              <a:gd name="connsiteY1" fmla="*/ 311126 h 1154711"/>
-              <a:gd name="connsiteX2" fmla="*/ 16874 w 324039"/>
-              <a:gd name="connsiteY2" fmla="*/ 938950 h 1154711"/>
-              <a:gd name="connsiteX3" fmla="*/ 324039 w 324039"/>
-              <a:gd name="connsiteY3" fmla="*/ 1135408 h 1154711"/>
-              <a:gd name="connsiteX0" fmla="*/ 293429 w 324039"/>
-              <a:gd name="connsiteY0" fmla="*/ 0 h 1154711"/>
-              <a:gd name="connsiteX1" fmla="*/ 23675 w 324039"/>
-              <a:gd name="connsiteY1" fmla="*/ 311126 h 1154711"/>
-              <a:gd name="connsiteX2" fmla="*/ 16874 w 324039"/>
-              <a:gd name="connsiteY2" fmla="*/ 938950 h 1154711"/>
-              <a:gd name="connsiteX3" fmla="*/ 324039 w 324039"/>
-              <a:gd name="connsiteY3" fmla="*/ 1135408 h 1154711"/>
-              <a:gd name="connsiteX0" fmla="*/ 3068 w 487662"/>
-              <a:gd name="connsiteY0" fmla="*/ 0 h 1522264"/>
-              <a:gd name="connsiteX1" fmla="*/ 187298 w 487662"/>
-              <a:gd name="connsiteY1" fmla="*/ 678679 h 1522264"/>
-              <a:gd name="connsiteX2" fmla="*/ 180497 w 487662"/>
-              <a:gd name="connsiteY2" fmla="*/ 1306503 h 1522264"/>
-              <a:gd name="connsiteX3" fmla="*/ 487662 w 487662"/>
-              <a:gd name="connsiteY3" fmla="*/ 1502961 h 1522264"/>
-              <a:gd name="connsiteX0" fmla="*/ 4504 w 489098"/>
-              <a:gd name="connsiteY0" fmla="*/ 0 h 1522264"/>
-              <a:gd name="connsiteX1" fmla="*/ 188734 w 489098"/>
-              <a:gd name="connsiteY1" fmla="*/ 678679 h 1522264"/>
-              <a:gd name="connsiteX2" fmla="*/ 181933 w 489098"/>
-              <a:gd name="connsiteY2" fmla="*/ 1306503 h 1522264"/>
-              <a:gd name="connsiteX3" fmla="*/ 489098 w 489098"/>
-              <a:gd name="connsiteY3" fmla="*/ 1502961 h 1522264"/>
-              <a:gd name="connsiteX0" fmla="*/ 4504 w 489098"/>
-              <a:gd name="connsiteY0" fmla="*/ 0 h 1522264"/>
-              <a:gd name="connsiteX1" fmla="*/ 188734 w 489098"/>
-              <a:gd name="connsiteY1" fmla="*/ 678679 h 1522264"/>
-              <a:gd name="connsiteX2" fmla="*/ 181933 w 489098"/>
-              <a:gd name="connsiteY2" fmla="*/ 1306503 h 1522264"/>
-              <a:gd name="connsiteX3" fmla="*/ 489098 w 489098"/>
-              <a:gd name="connsiteY3" fmla="*/ 1502961 h 1522264"/>
-              <a:gd name="connsiteX0" fmla="*/ 4504 w 489098"/>
-              <a:gd name="connsiteY0" fmla="*/ 0 h 1522264"/>
-              <a:gd name="connsiteX1" fmla="*/ 188734 w 489098"/>
-              <a:gd name="connsiteY1" fmla="*/ 678679 h 1522264"/>
-              <a:gd name="connsiteX2" fmla="*/ 158848 w 489098"/>
-              <a:gd name="connsiteY2" fmla="*/ 688943 h 1522264"/>
-              <a:gd name="connsiteX3" fmla="*/ 181933 w 489098"/>
-              <a:gd name="connsiteY3" fmla="*/ 1306503 h 1522264"/>
-              <a:gd name="connsiteX4" fmla="*/ 489098 w 489098"/>
-              <a:gd name="connsiteY4" fmla="*/ 1502961 h 1522264"/>
-              <a:gd name="connsiteX0" fmla="*/ 9354 w 493948"/>
-              <a:gd name="connsiteY0" fmla="*/ 0 h 1522264"/>
-              <a:gd name="connsiteX1" fmla="*/ 76750 w 493948"/>
-              <a:gd name="connsiteY1" fmla="*/ 462471 h 1522264"/>
-              <a:gd name="connsiteX2" fmla="*/ 163698 w 493948"/>
-              <a:gd name="connsiteY2" fmla="*/ 688943 h 1522264"/>
-              <a:gd name="connsiteX3" fmla="*/ 186783 w 493948"/>
-              <a:gd name="connsiteY3" fmla="*/ 1306503 h 1522264"/>
-              <a:gd name="connsiteX4" fmla="*/ 493948 w 493948"/>
-              <a:gd name="connsiteY4" fmla="*/ 1502961 h 1522264"/>
-              <a:gd name="connsiteX0" fmla="*/ 0 w 484594"/>
-              <a:gd name="connsiteY0" fmla="*/ 0 h 1522264"/>
-              <a:gd name="connsiteX1" fmla="*/ 154344 w 484594"/>
-              <a:gd name="connsiteY1" fmla="*/ 688943 h 1522264"/>
-              <a:gd name="connsiteX2" fmla="*/ 177429 w 484594"/>
-              <a:gd name="connsiteY2" fmla="*/ 1306503 h 1522264"/>
-              <a:gd name="connsiteX3" fmla="*/ 484594 w 484594"/>
-              <a:gd name="connsiteY3" fmla="*/ 1502961 h 1522264"/>
-              <a:gd name="connsiteX0" fmla="*/ 0 w 444536"/>
-              <a:gd name="connsiteY0" fmla="*/ 0 h 1698834"/>
-              <a:gd name="connsiteX1" fmla="*/ 114286 w 444536"/>
-              <a:gd name="connsiteY1" fmla="*/ 865513 h 1698834"/>
-              <a:gd name="connsiteX2" fmla="*/ 137371 w 444536"/>
-              <a:gd name="connsiteY2" fmla="*/ 1483073 h 1698834"/>
-              <a:gd name="connsiteX3" fmla="*/ 444536 w 444536"/>
-              <a:gd name="connsiteY3" fmla="*/ 1679531 h 1698834"/>
-              <a:gd name="connsiteX0" fmla="*/ 1452 w 445988"/>
-              <a:gd name="connsiteY0" fmla="*/ 0 h 1698834"/>
-              <a:gd name="connsiteX1" fmla="*/ 115738 w 445988"/>
-              <a:gd name="connsiteY1" fmla="*/ 865513 h 1698834"/>
-              <a:gd name="connsiteX2" fmla="*/ 138823 w 445988"/>
-              <a:gd name="connsiteY2" fmla="*/ 1483073 h 1698834"/>
-              <a:gd name="connsiteX3" fmla="*/ 445988 w 445988"/>
-              <a:gd name="connsiteY3" fmla="*/ 1679531 h 1698834"/>
-              <a:gd name="connsiteX0" fmla="*/ 0 w 444536"/>
-              <a:gd name="connsiteY0" fmla="*/ 0 h 1698834"/>
-              <a:gd name="connsiteX1" fmla="*/ 137371 w 444536"/>
-              <a:gd name="connsiteY1" fmla="*/ 1483073 h 1698834"/>
-              <a:gd name="connsiteX2" fmla="*/ 444536 w 444536"/>
-              <a:gd name="connsiteY2" fmla="*/ 1679531 h 1698834"/>
-              <a:gd name="connsiteX0" fmla="*/ 0 w 444536"/>
-              <a:gd name="connsiteY0" fmla="*/ 0 h 1698834"/>
-              <a:gd name="connsiteX1" fmla="*/ 137371 w 444536"/>
-              <a:gd name="connsiteY1" fmla="*/ 1483073 h 1698834"/>
-              <a:gd name="connsiteX2" fmla="*/ 444536 w 444536"/>
-              <a:gd name="connsiteY2" fmla="*/ 1679531 h 1698834"/>
-            </a:gdLst>
-            <a:ahLst/>
-            <a:cxnLst>
-              <a:cxn ang="0">
-                <a:pos x="connsiteX0" y="connsiteY0"/>
-              </a:cxn>
-              <a:cxn ang="0">
-                <a:pos x="connsiteX1" y="connsiteY1"/>
-              </a:cxn>
-              <a:cxn ang="0">
-                <a:pos x="connsiteX2" y="connsiteY2"/>
-              </a:cxn>
-            </a:cxnLst>
-            <a:rect l="l" t="t" r="r" b="b"/>
-            <a:pathLst>
-              <a:path w="444536" h="1698834">
-                <a:moveTo>
-                  <a:pt x="0" y="0"/>
-                </a:moveTo>
-                <a:cubicBezTo>
-                  <a:pt x="5252" y="503560"/>
-                  <a:pt x="63282" y="1203151"/>
-                  <a:pt x="137371" y="1483073"/>
-                </a:cubicBezTo>
-                <a:cubicBezTo>
-                  <a:pt x="160727" y="1620453"/>
-                  <a:pt x="324126" y="1748599"/>
-                  <a:pt x="444536" y="1679531"/>
-                </a:cubicBezTo>
-              </a:path>
-            </a:pathLst>
-          </a:custGeom>
-          <a:ln w="28575">
-            <a:tailEnd type="triangle" w="lg" len="lg"/>
-          </a:ln>
-        </p:spPr>
-        <p:style>
-          <a:lnRef idx="1">
-            <a:schemeClr val="dk1"/>
-          </a:lnRef>
-          <a:fillRef idx="0">
-            <a:schemeClr val="dk1"/>
-          </a:fillRef>
-          <a:effectRef idx="0">
-            <a:schemeClr val="dk1"/>
-          </a:effectRef>
-          <a:fontRef idx="minor">
-            <a:schemeClr val="tx1"/>
-          </a:fontRef>
-        </p:style>
-        <p:txBody>
-          <a:bodyPr rtlCol="0" anchor="ctr"/>
-          <a:lstStyle/>
-          <a:p>
-            <a:pPr algn="ctr"/>
-            <a:endParaRPr lang="en-IE" sz="1400">
-              <a:latin typeface="Century Schoolbook" panose="02040604050505020304" pitchFamily="18" charset="0"/>
-            </a:endParaRPr>
-          </a:p>
-        </p:txBody>
-      </p:sp>
-      <p:sp>
-        <p:nvSpPr>
-          <p:cNvPr id="25" name="Oval 24"/>
-          <p:cNvSpPr/>
-          <p:nvPr/>
-        </p:nvSpPr>
-        <p:spPr>
-          <a:xfrm>
-            <a:off x="4978627" y="1462776"/>
-            <a:ext cx="843485" cy="796625"/>
-          </a:xfrm>
-          <a:prstGeom prst="ellipse">
-            <a:avLst/>
-          </a:prstGeom>
-        </p:spPr>
-        <p:style>
-          <a:lnRef idx="2">
-            <a:schemeClr val="dk1"/>
-          </a:lnRef>
-          <a:fillRef idx="1">
-            <a:schemeClr val="lt1"/>
-          </a:fillRef>
-          <a:effectRef idx="0">
-            <a:schemeClr val="dk1"/>
-          </a:effectRef>
-          <a:fontRef idx="minor">
-            <a:schemeClr val="dk1"/>
-          </a:fontRef>
-        </p:style>
-        <p:txBody>
-          <a:bodyPr rtlCol="0" anchor="ctr"/>
-          <a:lstStyle/>
-          <a:p>
-            <a:pPr algn="ctr"/>
-            <a:endParaRPr lang="en-IE" sz="1050" dirty="0">
-              <a:latin typeface="Century Schoolbook" panose="02040604050505020304" pitchFamily="18" charset="0"/>
-            </a:endParaRPr>
-          </a:p>
-        </p:txBody>
-      </p:sp>
-      <p:sp>
-        <p:nvSpPr>
-          <p:cNvPr id="26" name="TextBox 25"/>
-          <p:cNvSpPr txBox="1"/>
-          <p:nvPr/>
-        </p:nvSpPr>
-        <p:spPr>
-          <a:xfrm>
-            <a:off x="4966597" y="1619030"/>
-            <a:ext cx="867545" cy="415498"/>
+            <a:off x="4584249" y="771589"/>
+            <a:ext cx="420308" cy="307777"/>
           </a:xfrm>
           <a:prstGeom prst="rect">
             <a:avLst/>
@@ -4616,320 +3117,6 @@
           </a:bodyPr>
           <a:lstStyle/>
           <a:p>
-            <a:pPr algn="ctr"/>
-            <a:r>
-              <a:rPr lang="en-IE" sz="1050" dirty="0" smtClean="0">
-                <a:latin typeface="Century Schoolbook" panose="02040604050505020304" pitchFamily="18" charset="0"/>
-              </a:rPr>
-              <a:t>Available</a:t>
-            </a:r>
-          </a:p>
-          <a:p>
-            <a:pPr algn="ctr"/>
-            <a:r>
-              <a:rPr lang="en-IE" sz="1050" dirty="0" smtClean="0">
-                <a:latin typeface="Century Schoolbook" panose="02040604050505020304" pitchFamily="18" charset="0"/>
-              </a:rPr>
-              <a:t>Research 1</a:t>
-            </a:r>
-            <a:endParaRPr lang="en-IE" sz="1050" dirty="0">
-              <a:latin typeface="Century Schoolbook" panose="02040604050505020304" pitchFamily="18" charset="0"/>
-            </a:endParaRPr>
-          </a:p>
-        </p:txBody>
-      </p:sp>
-      <p:sp>
-        <p:nvSpPr>
-          <p:cNvPr id="27" name="Freeform 26"/>
-          <p:cNvSpPr/>
-          <p:nvPr/>
-        </p:nvSpPr>
-        <p:spPr>
-          <a:xfrm rot="5400000" flipV="1">
-            <a:off x="2660628" y="2071204"/>
-            <a:ext cx="264427" cy="936103"/>
-          </a:xfrm>
-          <a:custGeom>
-            <a:avLst/>
-            <a:gdLst>
-              <a:gd name="connsiteX0" fmla="*/ 334971 w 422894"/>
-              <a:gd name="connsiteY0" fmla="*/ 0 h 931985"/>
-              <a:gd name="connsiteX1" fmla="*/ 863 w 422894"/>
-              <a:gd name="connsiteY1" fmla="*/ 492369 h 931985"/>
-              <a:gd name="connsiteX2" fmla="*/ 422894 w 422894"/>
-              <a:gd name="connsiteY2" fmla="*/ 931985 h 931985"/>
-              <a:gd name="connsiteX0" fmla="*/ 299999 w 387922"/>
-              <a:gd name="connsiteY0" fmla="*/ 0 h 931985"/>
-              <a:gd name="connsiteX1" fmla="*/ 1060 w 387922"/>
-              <a:gd name="connsiteY1" fmla="*/ 422030 h 931985"/>
-              <a:gd name="connsiteX2" fmla="*/ 387922 w 387922"/>
-              <a:gd name="connsiteY2" fmla="*/ 931985 h 931985"/>
-              <a:gd name="connsiteX0" fmla="*/ 265139 w 353062"/>
-              <a:gd name="connsiteY0" fmla="*/ 0 h 931985"/>
-              <a:gd name="connsiteX1" fmla="*/ 1369 w 353062"/>
-              <a:gd name="connsiteY1" fmla="*/ 474784 h 931985"/>
-              <a:gd name="connsiteX2" fmla="*/ 353062 w 353062"/>
-              <a:gd name="connsiteY2" fmla="*/ 931985 h 931985"/>
-              <a:gd name="connsiteX0" fmla="*/ 256717 w 353433"/>
-              <a:gd name="connsiteY0" fmla="*/ 0 h 914401"/>
-              <a:gd name="connsiteX1" fmla="*/ 1740 w 353433"/>
-              <a:gd name="connsiteY1" fmla="*/ 457200 h 914401"/>
-              <a:gd name="connsiteX2" fmla="*/ 353433 w 353433"/>
-              <a:gd name="connsiteY2" fmla="*/ 914401 h 914401"/>
-              <a:gd name="connsiteX0" fmla="*/ 299349 w 352104"/>
-              <a:gd name="connsiteY0" fmla="*/ 0 h 940778"/>
-              <a:gd name="connsiteX1" fmla="*/ 411 w 352104"/>
-              <a:gd name="connsiteY1" fmla="*/ 483577 h 940778"/>
-              <a:gd name="connsiteX2" fmla="*/ 352104 w 352104"/>
-              <a:gd name="connsiteY2" fmla="*/ 940778 h 940778"/>
-              <a:gd name="connsiteX0" fmla="*/ 238108 w 290863"/>
-              <a:gd name="connsiteY0" fmla="*/ 0 h 940778"/>
-              <a:gd name="connsiteX1" fmla="*/ 716 w 290863"/>
-              <a:gd name="connsiteY1" fmla="*/ 474784 h 940778"/>
-              <a:gd name="connsiteX2" fmla="*/ 290863 w 290863"/>
-              <a:gd name="connsiteY2" fmla="*/ 940778 h 940778"/>
-              <a:gd name="connsiteX0" fmla="*/ 237908 w 281871"/>
-              <a:gd name="connsiteY0" fmla="*/ 0 h 1019909"/>
-              <a:gd name="connsiteX1" fmla="*/ 516 w 281871"/>
-              <a:gd name="connsiteY1" fmla="*/ 474784 h 1019909"/>
-              <a:gd name="connsiteX2" fmla="*/ 281871 w 281871"/>
-              <a:gd name="connsiteY2" fmla="*/ 1019909 h 1019909"/>
-              <a:gd name="connsiteX0" fmla="*/ 237908 w 281871"/>
-              <a:gd name="connsiteY0" fmla="*/ 0 h 1019909"/>
-              <a:gd name="connsiteX1" fmla="*/ 516 w 281871"/>
-              <a:gd name="connsiteY1" fmla="*/ 597877 h 1019909"/>
-              <a:gd name="connsiteX2" fmla="*/ 281871 w 281871"/>
-              <a:gd name="connsiteY2" fmla="*/ 1019909 h 1019909"/>
-              <a:gd name="connsiteX0" fmla="*/ 220464 w 264427"/>
-              <a:gd name="connsiteY0" fmla="*/ 0 h 1019909"/>
-              <a:gd name="connsiteX1" fmla="*/ 657 w 264427"/>
-              <a:gd name="connsiteY1" fmla="*/ 545123 h 1019909"/>
-              <a:gd name="connsiteX2" fmla="*/ 264427 w 264427"/>
-              <a:gd name="connsiteY2" fmla="*/ 1019909 h 1019909"/>
-            </a:gdLst>
-            <a:ahLst/>
-            <a:cxnLst>
-              <a:cxn ang="0">
-                <a:pos x="connsiteX0" y="connsiteY0"/>
-              </a:cxn>
-              <a:cxn ang="0">
-                <a:pos x="connsiteX1" y="connsiteY1"/>
-              </a:cxn>
-              <a:cxn ang="0">
-                <a:pos x="connsiteX2" y="connsiteY2"/>
-              </a:cxn>
-            </a:cxnLst>
-            <a:rect l="l" t="t" r="r" b="b"/>
-            <a:pathLst>
-              <a:path w="264427" h="1019909">
-                <a:moveTo>
-                  <a:pt x="220464" y="0"/>
-                </a:moveTo>
-                <a:cubicBezTo>
-                  <a:pt x="46083" y="168519"/>
-                  <a:pt x="-6670" y="375138"/>
-                  <a:pt x="657" y="545123"/>
-                </a:cubicBezTo>
-                <a:cubicBezTo>
-                  <a:pt x="7984" y="715108"/>
-                  <a:pt x="194089" y="971551"/>
-                  <a:pt x="264427" y="1019909"/>
-                </a:cubicBezTo>
-              </a:path>
-            </a:pathLst>
-          </a:custGeom>
-          <a:ln w="28575">
-            <a:tailEnd type="triangle" w="lg" len="lg"/>
-          </a:ln>
-        </p:spPr>
-        <p:style>
-          <a:lnRef idx="1">
-            <a:schemeClr val="dk1"/>
-          </a:lnRef>
-          <a:fillRef idx="0">
-            <a:schemeClr val="dk1"/>
-          </a:fillRef>
-          <a:effectRef idx="0">
-            <a:schemeClr val="dk1"/>
-          </a:effectRef>
-          <a:fontRef idx="minor">
-            <a:schemeClr val="tx1"/>
-          </a:fontRef>
-        </p:style>
-        <p:txBody>
-          <a:bodyPr rtlCol="0" anchor="ctr"/>
-          <a:lstStyle/>
-          <a:p>
-            <a:pPr algn="ctr"/>
-            <a:endParaRPr lang="en-IE" sz="1400">
-              <a:latin typeface="Century Schoolbook" panose="02040604050505020304" pitchFamily="18" charset="0"/>
-            </a:endParaRPr>
-          </a:p>
-        </p:txBody>
-      </p:sp>
-      <p:sp>
-        <p:nvSpPr>
-          <p:cNvPr id="28" name="Freeform 27"/>
-          <p:cNvSpPr/>
-          <p:nvPr/>
-        </p:nvSpPr>
-        <p:spPr>
-          <a:xfrm rot="16200000" flipH="1">
-            <a:off x="4444607" y="2218466"/>
-            <a:ext cx="211066" cy="874557"/>
-          </a:xfrm>
-          <a:custGeom>
-            <a:avLst/>
-            <a:gdLst>
-              <a:gd name="connsiteX0" fmla="*/ 334971 w 422894"/>
-              <a:gd name="connsiteY0" fmla="*/ 0 h 931985"/>
-              <a:gd name="connsiteX1" fmla="*/ 863 w 422894"/>
-              <a:gd name="connsiteY1" fmla="*/ 492369 h 931985"/>
-              <a:gd name="connsiteX2" fmla="*/ 422894 w 422894"/>
-              <a:gd name="connsiteY2" fmla="*/ 931985 h 931985"/>
-              <a:gd name="connsiteX0" fmla="*/ 299999 w 387922"/>
-              <a:gd name="connsiteY0" fmla="*/ 0 h 931985"/>
-              <a:gd name="connsiteX1" fmla="*/ 1060 w 387922"/>
-              <a:gd name="connsiteY1" fmla="*/ 422030 h 931985"/>
-              <a:gd name="connsiteX2" fmla="*/ 387922 w 387922"/>
-              <a:gd name="connsiteY2" fmla="*/ 931985 h 931985"/>
-              <a:gd name="connsiteX0" fmla="*/ 265139 w 353062"/>
-              <a:gd name="connsiteY0" fmla="*/ 0 h 931985"/>
-              <a:gd name="connsiteX1" fmla="*/ 1369 w 353062"/>
-              <a:gd name="connsiteY1" fmla="*/ 474784 h 931985"/>
-              <a:gd name="connsiteX2" fmla="*/ 353062 w 353062"/>
-              <a:gd name="connsiteY2" fmla="*/ 931985 h 931985"/>
-              <a:gd name="connsiteX0" fmla="*/ 256717 w 353433"/>
-              <a:gd name="connsiteY0" fmla="*/ 0 h 914401"/>
-              <a:gd name="connsiteX1" fmla="*/ 1740 w 353433"/>
-              <a:gd name="connsiteY1" fmla="*/ 457200 h 914401"/>
-              <a:gd name="connsiteX2" fmla="*/ 353433 w 353433"/>
-              <a:gd name="connsiteY2" fmla="*/ 914401 h 914401"/>
-              <a:gd name="connsiteX0" fmla="*/ 299349 w 352104"/>
-              <a:gd name="connsiteY0" fmla="*/ 0 h 940778"/>
-              <a:gd name="connsiteX1" fmla="*/ 411 w 352104"/>
-              <a:gd name="connsiteY1" fmla="*/ 483577 h 940778"/>
-              <a:gd name="connsiteX2" fmla="*/ 352104 w 352104"/>
-              <a:gd name="connsiteY2" fmla="*/ 940778 h 940778"/>
-              <a:gd name="connsiteX0" fmla="*/ 238108 w 290863"/>
-              <a:gd name="connsiteY0" fmla="*/ 0 h 940778"/>
-              <a:gd name="connsiteX1" fmla="*/ 716 w 290863"/>
-              <a:gd name="connsiteY1" fmla="*/ 474784 h 940778"/>
-              <a:gd name="connsiteX2" fmla="*/ 290863 w 290863"/>
-              <a:gd name="connsiteY2" fmla="*/ 940778 h 940778"/>
-              <a:gd name="connsiteX0" fmla="*/ 237908 w 281871"/>
-              <a:gd name="connsiteY0" fmla="*/ 0 h 1019909"/>
-              <a:gd name="connsiteX1" fmla="*/ 516 w 281871"/>
-              <a:gd name="connsiteY1" fmla="*/ 474784 h 1019909"/>
-              <a:gd name="connsiteX2" fmla="*/ 281871 w 281871"/>
-              <a:gd name="connsiteY2" fmla="*/ 1019909 h 1019909"/>
-              <a:gd name="connsiteX0" fmla="*/ 237908 w 281871"/>
-              <a:gd name="connsiteY0" fmla="*/ 0 h 1019909"/>
-              <a:gd name="connsiteX1" fmla="*/ 516 w 281871"/>
-              <a:gd name="connsiteY1" fmla="*/ 597877 h 1019909"/>
-              <a:gd name="connsiteX2" fmla="*/ 281871 w 281871"/>
-              <a:gd name="connsiteY2" fmla="*/ 1019909 h 1019909"/>
-              <a:gd name="connsiteX0" fmla="*/ 220464 w 264427"/>
-              <a:gd name="connsiteY0" fmla="*/ 0 h 1019909"/>
-              <a:gd name="connsiteX1" fmla="*/ 657 w 264427"/>
-              <a:gd name="connsiteY1" fmla="*/ 545123 h 1019909"/>
-              <a:gd name="connsiteX2" fmla="*/ 264427 w 264427"/>
-              <a:gd name="connsiteY2" fmla="*/ 1019909 h 1019909"/>
-              <a:gd name="connsiteX0" fmla="*/ 281386 w 281386"/>
-              <a:gd name="connsiteY0" fmla="*/ 0 h 952853"/>
-              <a:gd name="connsiteX1" fmla="*/ 33 w 281386"/>
-              <a:gd name="connsiteY1" fmla="*/ 478067 h 952853"/>
-              <a:gd name="connsiteX2" fmla="*/ 263803 w 281386"/>
-              <a:gd name="connsiteY2" fmla="*/ 952853 h 952853"/>
-              <a:gd name="connsiteX0" fmla="*/ 211066 w 211066"/>
-              <a:gd name="connsiteY0" fmla="*/ 0 h 952853"/>
-              <a:gd name="connsiteX1" fmla="*/ 51 w 211066"/>
-              <a:gd name="connsiteY1" fmla="*/ 449328 h 952853"/>
-              <a:gd name="connsiteX2" fmla="*/ 193483 w 211066"/>
-              <a:gd name="connsiteY2" fmla="*/ 952853 h 952853"/>
-            </a:gdLst>
-            <a:ahLst/>
-            <a:cxnLst>
-              <a:cxn ang="0">
-                <a:pos x="connsiteX0" y="connsiteY0"/>
-              </a:cxn>
-              <a:cxn ang="0">
-                <a:pos x="connsiteX1" y="connsiteY1"/>
-              </a:cxn>
-              <a:cxn ang="0">
-                <a:pos x="connsiteX2" y="connsiteY2"/>
-              </a:cxn>
-            </a:cxnLst>
-            <a:rect l="l" t="t" r="r" b="b"/>
-            <a:pathLst>
-              <a:path w="211066" h="952853">
-                <a:moveTo>
-                  <a:pt x="211066" y="0"/>
-                </a:moveTo>
-                <a:cubicBezTo>
-                  <a:pt x="36685" y="168519"/>
-                  <a:pt x="2981" y="290519"/>
-                  <a:pt x="51" y="449328"/>
-                </a:cubicBezTo>
-                <a:cubicBezTo>
-                  <a:pt x="-2879" y="608137"/>
-                  <a:pt x="123145" y="904495"/>
-                  <a:pt x="193483" y="952853"/>
-                </a:cubicBezTo>
-              </a:path>
-            </a:pathLst>
-          </a:custGeom>
-          <a:ln w="28575">
-            <a:tailEnd type="triangle" w="lg" len="lg"/>
-          </a:ln>
-        </p:spPr>
-        <p:style>
-          <a:lnRef idx="1">
-            <a:schemeClr val="dk1"/>
-          </a:lnRef>
-          <a:fillRef idx="0">
-            <a:schemeClr val="dk1"/>
-          </a:fillRef>
-          <a:effectRef idx="0">
-            <a:schemeClr val="dk1"/>
-          </a:effectRef>
-          <a:fontRef idx="minor">
-            <a:schemeClr val="tx1"/>
-          </a:fontRef>
-        </p:style>
-        <p:txBody>
-          <a:bodyPr rtlCol="0" anchor="ctr"/>
-          <a:lstStyle/>
-          <a:p>
-            <a:pPr algn="ctr"/>
-            <a:endParaRPr lang="en-IE" sz="1400">
-              <a:latin typeface="Century Schoolbook" panose="02040604050505020304" pitchFamily="18" charset="0"/>
-            </a:endParaRPr>
-          </a:p>
-        </p:txBody>
-      </p:sp>
-      <p:sp>
-        <p:nvSpPr>
-          <p:cNvPr id="30" name="TextBox 29"/>
-          <p:cNvSpPr txBox="1"/>
-          <p:nvPr/>
-        </p:nvSpPr>
-        <p:spPr>
-          <a:xfrm>
-            <a:off x="2573069" y="2096770"/>
-            <a:ext cx="391454" cy="307777"/>
-          </a:xfrm>
-          <a:prstGeom prst="rect">
-            <a:avLst/>
-          </a:prstGeom>
-          <a:noFill/>
-        </p:spPr>
-        <p:txBody>
-          <a:bodyPr wrap="none" rtlCol="0">
-            <a:spAutoFit/>
-          </a:bodyPr>
-          <a:lstStyle/>
-          <a:p>
             <a:r>
               <a:rPr lang="en-IE" sz="1400" dirty="0" smtClean="0">
                 <a:latin typeface="Century Schoolbook" panose="02040604050505020304" pitchFamily="18" charset="0"/>
@@ -4940,7 +3127,7 @@
               <a:rPr lang="en-IE" sz="1400" baseline="-25000" dirty="0" smtClean="0">
                 <a:latin typeface="Century Schoolbook" panose="02040604050505020304" pitchFamily="18" charset="0"/>
               </a:rPr>
-              <a:t>B</a:t>
+              <a:t>I1</a:t>
             </a:r>
             <a:endParaRPr lang="en-IE" sz="1400" dirty="0">
               <a:latin typeface="Century Schoolbook" panose="02040604050505020304" pitchFamily="18" charset="0"/>
@@ -4950,54 +3137,14 @@
       </p:sp>
       <p:sp>
         <p:nvSpPr>
-          <p:cNvPr id="32" name="TextBox 31"/>
-          <p:cNvSpPr txBox="1"/>
-          <p:nvPr/>
-        </p:nvSpPr>
-        <p:spPr>
-          <a:xfrm>
-            <a:off x="1572724" y="1724756"/>
-            <a:ext cx="352982" cy="307777"/>
-          </a:xfrm>
-          <a:prstGeom prst="rect">
-            <a:avLst/>
-          </a:prstGeom>
-          <a:noFill/>
-        </p:spPr>
-        <p:txBody>
-          <a:bodyPr wrap="none" rtlCol="0">
-            <a:spAutoFit/>
-          </a:bodyPr>
-          <a:lstStyle/>
-          <a:p>
-            <a:r>
-              <a:rPr lang="en-IE" sz="1400" dirty="0" smtClean="0">
-                <a:latin typeface="Century Schoolbook" panose="02040604050505020304" pitchFamily="18" charset="0"/>
-              </a:rPr>
-              <a:t>P</a:t>
-            </a:r>
-            <a:r>
-              <a:rPr lang="en-IE" sz="1400" baseline="-25000" dirty="0">
-                <a:latin typeface="Century Schoolbook" panose="02040604050505020304" pitchFamily="18" charset="0"/>
-              </a:rPr>
-              <a:t>I</a:t>
-            </a:r>
-            <a:endParaRPr lang="en-IE" sz="1400" dirty="0">
-              <a:latin typeface="Century Schoolbook" panose="02040604050505020304" pitchFamily="18" charset="0"/>
-            </a:endParaRPr>
-          </a:p>
-        </p:txBody>
-      </p:sp>
-      <p:sp>
-        <p:nvSpPr>
           <p:cNvPr id="21" name="Freeform 20"/>
           <p:cNvSpPr/>
           <p:nvPr/>
         </p:nvSpPr>
         <p:spPr>
-          <a:xfrm>
-            <a:off x="1346959" y="2032533"/>
-            <a:ext cx="725436" cy="623211"/>
+          <a:xfrm rot="6513410">
+            <a:off x="4040751" y="669585"/>
+            <a:ext cx="595732" cy="511784"/>
           </a:xfrm>
           <a:custGeom>
             <a:avLst/>
@@ -5189,183 +3336,6 @@
           </a:p>
         </p:txBody>
       </p:sp>
-      <p:sp>
-        <p:nvSpPr>
-          <p:cNvPr id="29" name="Oval 28"/>
-          <p:cNvSpPr/>
-          <p:nvPr/>
-        </p:nvSpPr>
-        <p:spPr>
-          <a:xfrm>
-            <a:off x="4978627" y="2350429"/>
-            <a:ext cx="843485" cy="796625"/>
-          </a:xfrm>
-          <a:prstGeom prst="ellipse">
-            <a:avLst/>
-          </a:prstGeom>
-        </p:spPr>
-        <p:style>
-          <a:lnRef idx="2">
-            <a:schemeClr val="dk1"/>
-          </a:lnRef>
-          <a:fillRef idx="1">
-            <a:schemeClr val="lt1"/>
-          </a:fillRef>
-          <a:effectRef idx="0">
-            <a:schemeClr val="dk1"/>
-          </a:effectRef>
-          <a:fontRef idx="minor">
-            <a:schemeClr val="dk1"/>
-          </a:fontRef>
-        </p:style>
-        <p:txBody>
-          <a:bodyPr rtlCol="0" anchor="ctr"/>
-          <a:lstStyle/>
-          <a:p>
-            <a:pPr algn="ctr"/>
-            <a:endParaRPr lang="en-IE" sz="1050" dirty="0">
-              <a:latin typeface="Century Schoolbook" panose="02040604050505020304" pitchFamily="18" charset="0"/>
-            </a:endParaRPr>
-          </a:p>
-        </p:txBody>
-      </p:sp>
-      <p:sp>
-        <p:nvSpPr>
-          <p:cNvPr id="33" name="TextBox 32"/>
-          <p:cNvSpPr txBox="1"/>
-          <p:nvPr/>
-        </p:nvSpPr>
-        <p:spPr>
-          <a:xfrm>
-            <a:off x="4975387" y="2517908"/>
-            <a:ext cx="867545" cy="415498"/>
-          </a:xfrm>
-          <a:prstGeom prst="rect">
-            <a:avLst/>
-          </a:prstGeom>
-          <a:noFill/>
-        </p:spPr>
-        <p:txBody>
-          <a:bodyPr wrap="none" rtlCol="0">
-            <a:spAutoFit/>
-          </a:bodyPr>
-          <a:lstStyle/>
-          <a:p>
-            <a:pPr algn="ctr"/>
-            <a:r>
-              <a:rPr lang="en-IE" sz="1050" dirty="0">
-                <a:latin typeface="Century Schoolbook" panose="02040604050505020304" pitchFamily="18" charset="0"/>
-              </a:rPr>
-              <a:t>Available</a:t>
-            </a:r>
-          </a:p>
-          <a:p>
-            <a:pPr algn="ctr"/>
-            <a:r>
-              <a:rPr lang="en-IE" sz="1050">
-                <a:latin typeface="Century Schoolbook" panose="02040604050505020304" pitchFamily="18" charset="0"/>
-              </a:rPr>
-              <a:t>Research </a:t>
-            </a:r>
-            <a:r>
-              <a:rPr lang="en-IE" sz="1050" smtClean="0">
-                <a:latin typeface="Century Schoolbook" panose="02040604050505020304" pitchFamily="18" charset="0"/>
-              </a:rPr>
-              <a:t>2</a:t>
-            </a:r>
-          </a:p>
-        </p:txBody>
-      </p:sp>
-      <p:sp>
-        <p:nvSpPr>
-          <p:cNvPr id="34" name="Oval 33"/>
-          <p:cNvSpPr/>
-          <p:nvPr/>
-        </p:nvSpPr>
-        <p:spPr>
-          <a:xfrm>
-            <a:off x="4987417" y="3422854"/>
-            <a:ext cx="843485" cy="796625"/>
-          </a:xfrm>
-          <a:prstGeom prst="ellipse">
-            <a:avLst/>
-          </a:prstGeom>
-        </p:spPr>
-        <p:style>
-          <a:lnRef idx="2">
-            <a:schemeClr val="dk1"/>
-          </a:lnRef>
-          <a:fillRef idx="1">
-            <a:schemeClr val="lt1"/>
-          </a:fillRef>
-          <a:effectRef idx="0">
-            <a:schemeClr val="dk1"/>
-          </a:effectRef>
-          <a:fontRef idx="minor">
-            <a:schemeClr val="dk1"/>
-          </a:fontRef>
-        </p:style>
-        <p:txBody>
-          <a:bodyPr rtlCol="0" anchor="ctr"/>
-          <a:lstStyle/>
-          <a:p>
-            <a:pPr algn="ctr"/>
-            <a:endParaRPr lang="en-IE" sz="1050" dirty="0">
-              <a:latin typeface="Century Schoolbook" panose="02040604050505020304" pitchFamily="18" charset="0"/>
-            </a:endParaRPr>
-          </a:p>
-        </p:txBody>
-      </p:sp>
-      <p:sp>
-        <p:nvSpPr>
-          <p:cNvPr id="35" name="TextBox 34"/>
-          <p:cNvSpPr txBox="1"/>
-          <p:nvPr/>
-        </p:nvSpPr>
-        <p:spPr>
-          <a:xfrm>
-            <a:off x="4958555" y="3590333"/>
-            <a:ext cx="901208" cy="415498"/>
-          </a:xfrm>
-          <a:prstGeom prst="rect">
-            <a:avLst/>
-          </a:prstGeom>
-          <a:noFill/>
-        </p:spPr>
-        <p:txBody>
-          <a:bodyPr wrap="none" rtlCol="0">
-            <a:spAutoFit/>
-          </a:bodyPr>
-          <a:lstStyle/>
-          <a:p>
-            <a:pPr algn="ctr"/>
-            <a:r>
-              <a:rPr lang="en-IE" sz="1050" dirty="0">
-                <a:latin typeface="Century Schoolbook" panose="02040604050505020304" pitchFamily="18" charset="0"/>
-              </a:rPr>
-              <a:t>Available</a:t>
-            </a:r>
-          </a:p>
-          <a:p>
-            <a:pPr algn="ctr"/>
-            <a:r>
-              <a:rPr lang="en-IE" sz="1050" dirty="0">
-                <a:latin typeface="Century Schoolbook" panose="02040604050505020304" pitchFamily="18" charset="0"/>
-              </a:rPr>
-              <a:t>Research </a:t>
-            </a:r>
-            <a:r>
-              <a:rPr lang="en-IE" sz="1050" dirty="0" smtClean="0">
-                <a:latin typeface="Century Schoolbook" panose="02040604050505020304" pitchFamily="18" charset="0"/>
-              </a:rPr>
-              <a:t>N</a:t>
-            </a:r>
-            <a:endParaRPr lang="en-IE" sz="1050" dirty="0">
-              <a:latin typeface="Century Schoolbook" panose="02040604050505020304" pitchFamily="18" charset="0"/>
-            </a:endParaRPr>
-          </a:p>
-        </p:txBody>
-      </p:sp>
       <p:cxnSp>
         <p:nvCxnSpPr>
           <p:cNvPr id="12" name="Straight Connector 11"/>
@@ -5374,7 +3344,7 @@
         </p:nvCxnSpPr>
         <p:spPr>
           <a:xfrm>
-            <a:off x="5409160" y="3206496"/>
+            <a:off x="3733007" y="3176884"/>
             <a:ext cx="2673" cy="174198"/>
           </a:xfrm>
           <a:prstGeom prst="line">
@@ -5401,14 +3371,91 @@
       </p:cxnSp>
       <p:sp>
         <p:nvSpPr>
-          <p:cNvPr id="36" name="Freeform 35"/>
+          <p:cNvPr id="37" name="TextBox 36"/>
+          <p:cNvSpPr txBox="1"/>
+          <p:nvPr/>
+        </p:nvSpPr>
+        <p:spPr>
+          <a:xfrm>
+            <a:off x="3697989" y="1403890"/>
+            <a:ext cx="458780" cy="307777"/>
+          </a:xfrm>
+          <a:prstGeom prst="rect">
+            <a:avLst/>
+          </a:prstGeom>
+          <a:noFill/>
+        </p:spPr>
+        <p:txBody>
+          <a:bodyPr wrap="none" rtlCol="0">
+            <a:spAutoFit/>
+          </a:bodyPr>
+          <a:lstStyle/>
+          <a:p>
+            <a:r>
+              <a:rPr lang="en-IE" sz="1400" dirty="0" smtClean="0">
+                <a:latin typeface="Century Schoolbook" panose="02040604050505020304" pitchFamily="18" charset="0"/>
+              </a:rPr>
+              <a:t>P</a:t>
+            </a:r>
+            <a:r>
+              <a:rPr lang="en-IE" sz="1400" baseline="-25000" dirty="0" smtClean="0">
+                <a:latin typeface="Century Schoolbook" panose="02040604050505020304" pitchFamily="18" charset="0"/>
+              </a:rPr>
+              <a:t>R1</a:t>
+            </a:r>
+            <a:endParaRPr lang="en-IE" sz="1400" dirty="0">
+              <a:latin typeface="Century Schoolbook" panose="02040604050505020304" pitchFamily="18" charset="0"/>
+            </a:endParaRPr>
+          </a:p>
+        </p:txBody>
+      </p:sp>
+      <p:sp>
+        <p:nvSpPr>
+          <p:cNvPr id="44" name="TextBox 43"/>
+          <p:cNvSpPr txBox="1"/>
+          <p:nvPr/>
+        </p:nvSpPr>
+        <p:spPr>
+          <a:xfrm>
+            <a:off x="4584249" y="2163718"/>
+            <a:ext cx="420308" cy="307777"/>
+          </a:xfrm>
+          <a:prstGeom prst="rect">
+            <a:avLst/>
+          </a:prstGeom>
+          <a:noFill/>
+        </p:spPr>
+        <p:txBody>
+          <a:bodyPr wrap="none" rtlCol="0">
+            <a:spAutoFit/>
+          </a:bodyPr>
+          <a:lstStyle/>
+          <a:p>
+            <a:r>
+              <a:rPr lang="en-IE" sz="1400" smtClean="0">
+                <a:latin typeface="Century Schoolbook" panose="02040604050505020304" pitchFamily="18" charset="0"/>
+              </a:rPr>
+              <a:t>P</a:t>
+            </a:r>
+            <a:r>
+              <a:rPr lang="en-IE" sz="1400" baseline="-25000" smtClean="0">
+                <a:latin typeface="Century Schoolbook" panose="02040604050505020304" pitchFamily="18" charset="0"/>
+              </a:rPr>
+              <a:t>I2</a:t>
+            </a:r>
+          </a:p>
+        </p:txBody>
+      </p:sp>
+      <p:sp>
+        <p:nvSpPr>
+          <p:cNvPr id="45" name="Freeform 44"/>
           <p:cNvSpPr/>
           <p:nvPr/>
         </p:nvSpPr>
         <p:spPr>
-          <a:xfrm rot="8146524" flipH="1" flipV="1">
-            <a:off x="4349772" y="3020082"/>
-            <a:ext cx="289515" cy="1115896"/>
+          <a:xfrm rot="6513817">
+            <a:off x="4033626" y="2061713"/>
+            <a:ext cx="595732" cy="511784"/>
           </a:xfrm>
           <a:custGeom>
             <a:avLst/>
@@ -5467,6 +3514,78 @@
               <a:gd name="connsiteY1" fmla="*/ 545123 h 1019909"/>
               <a:gd name="connsiteX2" fmla="*/ 264427 w 264427"/>
               <a:gd name="connsiteY2" fmla="*/ 1019909 h 1019909"/>
+              <a:gd name="connsiteX0" fmla="*/ 281386 w 281386"/>
+              <a:gd name="connsiteY0" fmla="*/ 0 h 952853"/>
+              <a:gd name="connsiteX1" fmla="*/ 33 w 281386"/>
+              <a:gd name="connsiteY1" fmla="*/ 478067 h 952853"/>
+              <a:gd name="connsiteX2" fmla="*/ 263803 w 281386"/>
+              <a:gd name="connsiteY2" fmla="*/ 952853 h 952853"/>
+              <a:gd name="connsiteX0" fmla="*/ 211066 w 211066"/>
+              <a:gd name="connsiteY0" fmla="*/ 0 h 952853"/>
+              <a:gd name="connsiteX1" fmla="*/ 51 w 211066"/>
+              <a:gd name="connsiteY1" fmla="*/ 449328 h 952853"/>
+              <a:gd name="connsiteX2" fmla="*/ 193483 w 211066"/>
+              <a:gd name="connsiteY2" fmla="*/ 952853 h 952853"/>
+              <a:gd name="connsiteX0" fmla="*/ 756189 w 756189"/>
+              <a:gd name="connsiteY0" fmla="*/ 314727 h 529962"/>
+              <a:gd name="connsiteX1" fmla="*/ 51 w 756189"/>
+              <a:gd name="connsiteY1" fmla="*/ 26437 h 529962"/>
+              <a:gd name="connsiteX2" fmla="*/ 193483 w 756189"/>
+              <a:gd name="connsiteY2" fmla="*/ 529962 h 529962"/>
+              <a:gd name="connsiteX0" fmla="*/ 756189 w 768292"/>
+              <a:gd name="connsiteY0" fmla="*/ 405748 h 620983"/>
+              <a:gd name="connsiteX1" fmla="*/ 51 w 768292"/>
+              <a:gd name="connsiteY1" fmla="*/ 117458 h 620983"/>
+              <a:gd name="connsiteX2" fmla="*/ 193483 w 768292"/>
+              <a:gd name="connsiteY2" fmla="*/ 620983 h 620983"/>
+              <a:gd name="connsiteX0" fmla="*/ 603630 w 618277"/>
+              <a:gd name="connsiteY0" fmla="*/ 463955 h 679190"/>
+              <a:gd name="connsiteX1" fmla="*/ 14545 w 618277"/>
+              <a:gd name="connsiteY1" fmla="*/ 89450 h 679190"/>
+              <a:gd name="connsiteX2" fmla="*/ 40924 w 618277"/>
+              <a:gd name="connsiteY2" fmla="*/ 679190 h 679190"/>
+              <a:gd name="connsiteX0" fmla="*/ 658529 w 673176"/>
+              <a:gd name="connsiteY0" fmla="*/ 463955 h 679190"/>
+              <a:gd name="connsiteX1" fmla="*/ 69444 w 673176"/>
+              <a:gd name="connsiteY1" fmla="*/ 89450 h 679190"/>
+              <a:gd name="connsiteX2" fmla="*/ 95823 w 673176"/>
+              <a:gd name="connsiteY2" fmla="*/ 679190 h 679190"/>
+              <a:gd name="connsiteX0" fmla="*/ 658529 w 676893"/>
+              <a:gd name="connsiteY0" fmla="*/ 451198 h 666433"/>
+              <a:gd name="connsiteX1" fmla="*/ 69444 w 676893"/>
+              <a:gd name="connsiteY1" fmla="*/ 76693 h 666433"/>
+              <a:gd name="connsiteX2" fmla="*/ 95823 w 676893"/>
+              <a:gd name="connsiteY2" fmla="*/ 666433 h 666433"/>
+              <a:gd name="connsiteX0" fmla="*/ 626513 w 646522"/>
+              <a:gd name="connsiteY0" fmla="*/ 451198 h 666433"/>
+              <a:gd name="connsiteX1" fmla="*/ 90182 w 646522"/>
+              <a:gd name="connsiteY1" fmla="*/ 76693 h 666433"/>
+              <a:gd name="connsiteX2" fmla="*/ 63807 w 646522"/>
+              <a:gd name="connsiteY2" fmla="*/ 666433 h 666433"/>
+              <a:gd name="connsiteX0" fmla="*/ 626513 w 649086"/>
+              <a:gd name="connsiteY0" fmla="*/ 485222 h 700457"/>
+              <a:gd name="connsiteX1" fmla="*/ 90182 w 649086"/>
+              <a:gd name="connsiteY1" fmla="*/ 110717 h 700457"/>
+              <a:gd name="connsiteX2" fmla="*/ 63807 w 649086"/>
+              <a:gd name="connsiteY2" fmla="*/ 700457 h 700457"/>
+              <a:gd name="connsiteX0" fmla="*/ 647678 w 670251"/>
+              <a:gd name="connsiteY0" fmla="*/ 485222 h 700457"/>
+              <a:gd name="connsiteX1" fmla="*/ 111347 w 670251"/>
+              <a:gd name="connsiteY1" fmla="*/ 110717 h 700457"/>
+              <a:gd name="connsiteX2" fmla="*/ 84972 w 670251"/>
+              <a:gd name="connsiteY2" fmla="*/ 700457 h 700457"/>
+              <a:gd name="connsiteX0" fmla="*/ 707346 w 726690"/>
+              <a:gd name="connsiteY0" fmla="*/ 438701 h 653936"/>
+              <a:gd name="connsiteX1" fmla="*/ 83091 w 726690"/>
+              <a:gd name="connsiteY1" fmla="*/ 131253 h 653936"/>
+              <a:gd name="connsiteX2" fmla="*/ 144640 w 726690"/>
+              <a:gd name="connsiteY2" fmla="*/ 653936 h 653936"/>
+              <a:gd name="connsiteX0" fmla="*/ 707346 w 725436"/>
+              <a:gd name="connsiteY0" fmla="*/ 463770 h 679005"/>
+              <a:gd name="connsiteX1" fmla="*/ 83091 w 725436"/>
+              <a:gd name="connsiteY1" fmla="*/ 156322 h 679005"/>
+              <a:gd name="connsiteX2" fmla="*/ 144640 w 725436"/>
+              <a:gd name="connsiteY2" fmla="*/ 679005 h 679005"/>
             </a:gdLst>
             <a:ahLst/>
             <a:cxnLst>
@@ -5482,19 +3601,19 @@
             </a:cxnLst>
             <a:rect l="l" t="t" r="r" b="b"/>
             <a:pathLst>
-              <a:path w="264427" h="1019909">
+              <a:path w="725436" h="679005">
                 <a:moveTo>
-                  <a:pt x="220464" y="0"/>
+                  <a:pt x="707346" y="463770"/>
                 </a:moveTo>
                 <a:cubicBezTo>
-                  <a:pt x="46083" y="168519"/>
-                  <a:pt x="-6670" y="375138"/>
-                  <a:pt x="657" y="545123"/>
+                  <a:pt x="831903" y="-57431"/>
+                  <a:pt x="279452" y="-107861"/>
+                  <a:pt x="83091" y="156322"/>
                 </a:cubicBezTo>
                 <a:cubicBezTo>
-                  <a:pt x="7984" y="715108"/>
-                  <a:pt x="194089" y="971551"/>
-                  <a:pt x="264427" y="1019909"/>
+                  <a:pt x="-104477" y="391768"/>
+                  <a:pt x="74302" y="630647"/>
+                  <a:pt x="144640" y="679005"/>
                 </a:cubicBezTo>
               </a:path>
             </a:pathLst>
@@ -5530,14 +3649,14 @@
       </p:sp>
       <p:sp>
         <p:nvSpPr>
-          <p:cNvPr id="6" name="Oval 5"/>
+          <p:cNvPr id="46" name="Oval 45"/>
           <p:cNvSpPr/>
           <p:nvPr/>
         </p:nvSpPr>
         <p:spPr>
           <a:xfrm>
-            <a:off x="3188535" y="2389013"/>
-            <a:ext cx="1080120" cy="1020114"/>
+            <a:off x="3216641" y="3684358"/>
+            <a:ext cx="1013107" cy="956824"/>
           </a:xfrm>
           <a:prstGeom prst="ellipse">
             <a:avLst/>
@@ -5562,7 +3681,7 @@
           <a:lstStyle/>
           <a:p>
             <a:pPr algn="ctr"/>
-            <a:endParaRPr lang="en-IE" sz="1400" dirty="0">
+            <a:endParaRPr lang="en-IE" sz="1050" dirty="0">
               <a:latin typeface="Century Schoolbook" panose="02040604050505020304" pitchFamily="18" charset="0"/>
             </a:endParaRPr>
           </a:p>
@@ -5570,14 +3689,14 @@
       </p:sp>
       <p:sp>
         <p:nvSpPr>
-          <p:cNvPr id="24" name="TextBox 23"/>
+          <p:cNvPr id="47" name="TextBox 46"/>
           <p:cNvSpPr txBox="1"/>
           <p:nvPr/>
         </p:nvSpPr>
         <p:spPr>
           <a:xfrm>
-            <a:off x="3255548" y="2753594"/>
-            <a:ext cx="946093" cy="307777"/>
+            <a:off x="3211812" y="3892812"/>
+            <a:ext cx="1042005" cy="523220"/>
           </a:xfrm>
           <a:prstGeom prst="rect">
             <a:avLst/>
@@ -5585,7 +3704,7 @@
           <a:noFill/>
         </p:spPr>
         <p:txBody>
-          <a:bodyPr wrap="none" rtlCol="0">
+          <a:bodyPr wrap="square" rtlCol="0">
             <a:spAutoFit/>
           </a:bodyPr>
           <a:lstStyle/>
@@ -5595,23 +3714,59 @@
               <a:rPr lang="en-IE" sz="1400" dirty="0" smtClean="0">
                 <a:latin typeface="Century Schoolbook" panose="02040604050505020304" pitchFamily="18" charset="0"/>
               </a:rPr>
-              <a:t>Research</a:t>
-            </a:r>
-            <a:endParaRPr lang="en-IE" sz="1400" dirty="0">
-              <a:latin typeface="Century Schoolbook" panose="02040604050505020304" pitchFamily="18" charset="0"/>
-            </a:endParaRPr>
-          </a:p>
-        </p:txBody>
-      </p:sp>
-      <p:sp>
-        <p:nvSpPr>
-          <p:cNvPr id="37" name="TextBox 36"/>
+              <a:t>Research State N</a:t>
+            </a:r>
+          </a:p>
+        </p:txBody>
+      </p:sp>
+      <p:cxnSp>
+        <p:nvCxnSpPr>
+          <p:cNvPr id="7" name="Straight Arrow Connector 6"/>
+          <p:cNvCxnSpPr>
+            <a:stCxn id="25" idx="4"/>
+            <a:endCxn id="31" idx="0"/>
+          </p:cNvCxnSpPr>
+          <p:nvPr/>
+        </p:nvCxnSpPr>
+        <p:spPr>
+          <a:xfrm>
+            <a:off x="3731596" y="1403890"/>
+            <a:ext cx="0" cy="435305"/>
+          </a:xfrm>
+          <a:prstGeom prst="straightConnector1">
+            <a:avLst/>
+          </a:prstGeom>
+          <a:ln w="28575">
+            <a:solidFill>
+              <a:schemeClr val="tx1"/>
+            </a:solidFill>
+            <a:tailEnd type="triangle" w="lg" len="lg"/>
+          </a:ln>
+        </p:spPr>
+        <p:style>
+          <a:lnRef idx="1">
+            <a:schemeClr val="accent1"/>
+          </a:lnRef>
+          <a:fillRef idx="0">
+            <a:schemeClr val="accent1"/>
+          </a:fillRef>
+          <a:effectRef idx="0">
+            <a:schemeClr val="accent1"/>
+          </a:effectRef>
+          <a:fontRef idx="minor">
+            <a:schemeClr val="tx1"/>
+          </a:fontRef>
+        </p:style>
+      </p:cxnSp>
+      <p:sp>
+        <p:nvSpPr>
+          <p:cNvPr id="50" name="TextBox 49"/>
           <p:cNvSpPr txBox="1"/>
           <p:nvPr/>
         </p:nvSpPr>
         <p:spPr>
           <a:xfrm>
-            <a:off x="4315140" y="1553311"/>
+            <a:off x="3726011" y="2745730"/>
             <a:ext cx="458780" cy="307777"/>
           </a:xfrm>
           <a:prstGeom prst="rect">
@@ -5635,7 +3790,7 @@
               <a:rPr lang="en-IE" sz="1400" baseline="-25000" dirty="0" smtClean="0">
                 <a:latin typeface="Century Schoolbook" panose="02040604050505020304" pitchFamily="18" charset="0"/>
               </a:rPr>
-              <a:t>R1</a:t>
+              <a:t>R2</a:t>
             </a:r>
             <a:endParaRPr lang="en-IE" sz="1400" dirty="0">
               <a:latin typeface="Century Schoolbook" panose="02040604050505020304" pitchFamily="18" charset="0"/>
@@ -5643,61 +3798,53 @@
           </a:p>
         </p:txBody>
       </p:sp>
-      <p:sp>
-        <p:nvSpPr>
-          <p:cNvPr id="38" name="TextBox 37"/>
+      <p:cxnSp>
+        <p:nvCxnSpPr>
+          <p:cNvPr id="51" name="Straight Arrow Connector 50"/>
+          <p:cNvCxnSpPr>
+            <a:stCxn id="31" idx="4"/>
+          </p:cNvCxnSpPr>
+          <p:nvPr/>
+        </p:nvCxnSpPr>
+        <p:spPr>
+          <a:xfrm flipH="1">
+            <a:off x="3731594" y="2796019"/>
+            <a:ext cx="2" cy="307777"/>
+          </a:xfrm>
+          <a:prstGeom prst="straightConnector1">
+            <a:avLst/>
+          </a:prstGeom>
+          <a:ln w="28575">
+            <a:solidFill>
+              <a:schemeClr val="tx1"/>
+            </a:solidFill>
+            <a:tailEnd type="triangle" w="lg" len="lg"/>
+          </a:ln>
+        </p:spPr>
+        <p:style>
+          <a:lnRef idx="1">
+            <a:schemeClr val="accent1"/>
+          </a:lnRef>
+          <a:fillRef idx="0">
+            <a:schemeClr val="accent1"/>
+          </a:fillRef>
+          <a:effectRef idx="0">
+            <a:schemeClr val="accent1"/>
+          </a:effectRef>
+          <a:fontRef idx="minor">
+            <a:schemeClr val="tx1"/>
+          </a:fontRef>
+        </p:style>
+      </p:cxnSp>
+      <p:sp>
+        <p:nvSpPr>
+          <p:cNvPr id="52" name="TextBox 51"/>
           <p:cNvSpPr txBox="1"/>
           <p:nvPr/>
         </p:nvSpPr>
         <p:spPr>
           <a:xfrm>
-            <a:off x="4315140" y="2231478"/>
-            <a:ext cx="458780" cy="307777"/>
-          </a:xfrm>
-          <a:prstGeom prst="rect">
-            <a:avLst/>
-          </a:prstGeom>
-          <a:noFill/>
-        </p:spPr>
-        <p:txBody>
-          <a:bodyPr wrap="none" rtlCol="0">
-            <a:spAutoFit/>
-          </a:bodyPr>
-          <a:lstStyle/>
-          <a:p>
-            <a:r>
-              <a:rPr lang="en-IE" sz="1400" dirty="0" smtClean="0">
-                <a:latin typeface="Century Schoolbook" panose="02040604050505020304" pitchFamily="18" charset="0"/>
-              </a:rPr>
-              <a:t>P</a:t>
-            </a:r>
-            <a:r>
-              <a:rPr lang="en-IE" sz="1400" baseline="-25000" dirty="0">
-                <a:latin typeface="Century Schoolbook" panose="02040604050505020304" pitchFamily="18" charset="0"/>
-              </a:rPr>
-              <a:t>R</a:t>
-            </a:r>
-            <a:r>
-              <a:rPr lang="en-IE" sz="1400" baseline="-25000" dirty="0" smtClean="0">
-                <a:latin typeface="Century Schoolbook" panose="02040604050505020304" pitchFamily="18" charset="0"/>
-              </a:rPr>
-              <a:t>2</a:t>
-            </a:r>
-            <a:endParaRPr lang="en-IE" sz="1400" dirty="0">
-              <a:latin typeface="Century Schoolbook" panose="02040604050505020304" pitchFamily="18" charset="0"/>
-            </a:endParaRPr>
-          </a:p>
-        </p:txBody>
-      </p:sp>
-      <p:sp>
-        <p:nvSpPr>
-          <p:cNvPr id="39" name="TextBox 38"/>
-          <p:cNvSpPr txBox="1"/>
-          <p:nvPr/>
-        </p:nvSpPr>
-        <p:spPr>
-          <a:xfrm>
-            <a:off x="4315140" y="3424141"/>
+            <a:off x="3682761" y="3281528"/>
             <a:ext cx="489236" cy="307777"/>
           </a:xfrm>
           <a:prstGeom prst="rect">
@@ -5718,20 +3865,194 @@
               <a:t>P</a:t>
             </a:r>
             <a:r>
-              <a:rPr lang="en-IE" sz="1400" baseline="-25000" dirty="0">
-                <a:latin typeface="Century Schoolbook" panose="02040604050505020304" pitchFamily="18" charset="0"/>
-              </a:rPr>
-              <a:t>R</a:t>
-            </a:r>
-            <a:r>
               <a:rPr lang="en-IE" sz="1400" baseline="-25000" dirty="0" smtClean="0">
                 <a:latin typeface="Century Schoolbook" panose="02040604050505020304" pitchFamily="18" charset="0"/>
               </a:rPr>
-              <a:t>N</a:t>
+              <a:t>RN</a:t>
             </a:r>
             <a:endParaRPr lang="en-IE" sz="1400" dirty="0">
               <a:latin typeface="Century Schoolbook" panose="02040604050505020304" pitchFamily="18" charset="0"/>
             </a:endParaRPr>
+          </a:p>
+        </p:txBody>
+      </p:sp>
+      <p:cxnSp>
+        <p:nvCxnSpPr>
+          <p:cNvPr id="53" name="Straight Arrow Connector 52"/>
+          <p:cNvCxnSpPr/>
+          <p:nvPr/>
+        </p:nvCxnSpPr>
+        <p:spPr>
+          <a:xfrm flipH="1">
+            <a:off x="3714957" y="3394594"/>
+            <a:ext cx="10328" cy="281416"/>
+          </a:xfrm>
+          <a:prstGeom prst="straightConnector1">
+            <a:avLst/>
+          </a:prstGeom>
+          <a:ln w="28575">
+            <a:solidFill>
+              <a:schemeClr val="tx1"/>
+            </a:solidFill>
+            <a:tailEnd type="triangle" w="lg" len="lg"/>
+          </a:ln>
+        </p:spPr>
+        <p:style>
+          <a:lnRef idx="1">
+            <a:schemeClr val="accent1"/>
+          </a:lnRef>
+          <a:fillRef idx="0">
+            <a:schemeClr val="accent1"/>
+          </a:fillRef>
+          <a:effectRef idx="0">
+            <a:schemeClr val="accent1"/>
+          </a:effectRef>
+          <a:fontRef idx="minor">
+            <a:schemeClr val="tx1"/>
+          </a:fontRef>
+        </p:style>
+      </p:cxnSp>
+      <p:sp>
+        <p:nvSpPr>
+          <p:cNvPr id="25" name="Oval 24"/>
+          <p:cNvSpPr/>
+          <p:nvPr/>
+        </p:nvSpPr>
+        <p:spPr>
+          <a:xfrm>
+            <a:off x="3225042" y="447066"/>
+            <a:ext cx="1013107" cy="956824"/>
+          </a:xfrm>
+          <a:prstGeom prst="ellipse">
+            <a:avLst/>
+          </a:prstGeom>
+        </p:spPr>
+        <p:style>
+          <a:lnRef idx="2">
+            <a:schemeClr val="dk1"/>
+          </a:lnRef>
+          <a:fillRef idx="1">
+            <a:schemeClr val="lt1"/>
+          </a:fillRef>
+          <a:effectRef idx="0">
+            <a:schemeClr val="dk1"/>
+          </a:effectRef>
+          <a:fontRef idx="minor">
+            <a:schemeClr val="dk1"/>
+          </a:fontRef>
+        </p:style>
+        <p:txBody>
+          <a:bodyPr rtlCol="0" anchor="ctr"/>
+          <a:lstStyle/>
+          <a:p>
+            <a:pPr algn="ctr"/>
+            <a:endParaRPr lang="en-IE" sz="1050" dirty="0">
+              <a:latin typeface="Century Schoolbook" panose="02040604050505020304" pitchFamily="18" charset="0"/>
+            </a:endParaRPr>
+          </a:p>
+        </p:txBody>
+      </p:sp>
+      <p:sp>
+        <p:nvSpPr>
+          <p:cNvPr id="26" name="TextBox 25"/>
+          <p:cNvSpPr txBox="1"/>
+          <p:nvPr/>
+        </p:nvSpPr>
+        <p:spPr>
+          <a:xfrm>
+            <a:off x="3234280" y="663868"/>
+            <a:ext cx="1042005" cy="523220"/>
+          </a:xfrm>
+          <a:prstGeom prst="rect">
+            <a:avLst/>
+          </a:prstGeom>
+          <a:noFill/>
+        </p:spPr>
+        <p:txBody>
+          <a:bodyPr wrap="square" rtlCol="0">
+            <a:spAutoFit/>
+          </a:bodyPr>
+          <a:lstStyle/>
+          <a:p>
+            <a:pPr algn="ctr"/>
+            <a:r>
+              <a:rPr lang="en-IE" sz="1400" dirty="0" smtClean="0">
+                <a:latin typeface="Century Schoolbook" panose="02040604050505020304" pitchFamily="18" charset="0"/>
+              </a:rPr>
+              <a:t>Research State 0</a:t>
+            </a:r>
+          </a:p>
+        </p:txBody>
+      </p:sp>
+      <p:sp>
+        <p:nvSpPr>
+          <p:cNvPr id="31" name="Oval 30"/>
+          <p:cNvSpPr/>
+          <p:nvPr/>
+        </p:nvSpPr>
+        <p:spPr>
+          <a:xfrm>
+            <a:off x="3225042" y="1839195"/>
+            <a:ext cx="1013107" cy="956824"/>
+          </a:xfrm>
+          <a:prstGeom prst="ellipse">
+            <a:avLst/>
+          </a:prstGeom>
+        </p:spPr>
+        <p:style>
+          <a:lnRef idx="2">
+            <a:schemeClr val="dk1"/>
+          </a:lnRef>
+          <a:fillRef idx="1">
+            <a:schemeClr val="lt1"/>
+          </a:fillRef>
+          <a:effectRef idx="0">
+            <a:schemeClr val="dk1"/>
+          </a:effectRef>
+          <a:fontRef idx="minor">
+            <a:schemeClr val="dk1"/>
+          </a:fontRef>
+        </p:style>
+        <p:txBody>
+          <a:bodyPr rtlCol="0" anchor="ctr"/>
+          <a:lstStyle/>
+          <a:p>
+            <a:pPr algn="ctr"/>
+            <a:endParaRPr lang="en-IE" sz="1050" dirty="0">
+              <a:latin typeface="Century Schoolbook" panose="02040604050505020304" pitchFamily="18" charset="0"/>
+            </a:endParaRPr>
+          </a:p>
+        </p:txBody>
+      </p:sp>
+      <p:sp>
+        <p:nvSpPr>
+          <p:cNvPr id="43" name="TextBox 42"/>
+          <p:cNvSpPr txBox="1"/>
+          <p:nvPr/>
+        </p:nvSpPr>
+        <p:spPr>
+          <a:xfrm>
+            <a:off x="3234280" y="2055997"/>
+            <a:ext cx="1042005" cy="523220"/>
+          </a:xfrm>
+          <a:prstGeom prst="rect">
+            <a:avLst/>
+          </a:prstGeom>
+          <a:noFill/>
+        </p:spPr>
+        <p:txBody>
+          <a:bodyPr wrap="square" rtlCol="0">
+            <a:spAutoFit/>
+          </a:bodyPr>
+          <a:lstStyle/>
+          <a:p>
+            <a:pPr algn="ctr"/>
+            <a:r>
+              <a:rPr lang="en-IE" sz="1400" dirty="0" smtClean="0">
+                <a:latin typeface="Century Schoolbook" panose="02040604050505020304" pitchFamily="18" charset="0"/>
+              </a:rPr>
+              <a:t>Research State 1</a:t>
+            </a:r>
           </a:p>
         </p:txBody>
       </p:sp>
